--- a/Docs/pics/learnmidi_pic.pptx
+++ b/Docs/pics/learnmidi_pic.pptx
@@ -104,6 +104,11 @@
       </a:defRPr>
     </a:lvl9pPr>
   </p:defaultTextStyle>
+  <p:extLst>
+    <p:ext uri="{EFAFB233-063F-42B5-8137-9DF3F51BA10A}">
+      <p15:sldGuideLst xmlns:p15="http://schemas.microsoft.com/office/powerpoint/2012/main"/>
+    </p:ext>
+  </p:extLst>
 </p:presentation>
 </file>
 
@@ -129,7 +134,7 @@
           <p:cNvPr id="2" name="Title 1">
             <a:extLst>
               <a:ext uri="{FF2B5EF4-FFF2-40B4-BE49-F238E27FC236}">
-                <a16:creationId xmlns:a16="http://schemas.microsoft.com/office/drawing/2014/main" id="{E1AAC37F-3231-4D59-9D5F-1A2FEEF2790F}"/>
+                <a16:creationId xmlns:a16="http://schemas.microsoft.com/office/drawing/2014/main" xmlns="" id="{E1AAC37F-3231-4D59-9D5F-1A2FEEF2790F}"/>
               </a:ext>
             </a:extLst>
           </p:cNvPr>
@@ -167,7 +172,7 @@
           <p:cNvPr id="3" name="Subtitle 2">
             <a:extLst>
               <a:ext uri="{FF2B5EF4-FFF2-40B4-BE49-F238E27FC236}">
-                <a16:creationId xmlns:a16="http://schemas.microsoft.com/office/drawing/2014/main" id="{2AC57608-8E0F-4F63-81AC-71E711F4B2F1}"/>
+                <a16:creationId xmlns:a16="http://schemas.microsoft.com/office/drawing/2014/main" xmlns="" id="{2AC57608-8E0F-4F63-81AC-71E711F4B2F1}"/>
               </a:ext>
             </a:extLst>
           </p:cNvPr>
@@ -238,7 +243,7 @@
           <p:cNvPr id="4" name="Date Placeholder 3">
             <a:extLst>
               <a:ext uri="{FF2B5EF4-FFF2-40B4-BE49-F238E27FC236}">
-                <a16:creationId xmlns:a16="http://schemas.microsoft.com/office/drawing/2014/main" id="{B85FBF79-63AD-406B-BC9A-58B6C30AB2BA}"/>
+                <a16:creationId xmlns:a16="http://schemas.microsoft.com/office/drawing/2014/main" xmlns="" id="{B85FBF79-63AD-406B-BC9A-58B6C30AB2BA}"/>
               </a:ext>
             </a:extLst>
           </p:cNvPr>
@@ -267,7 +272,7 @@
           <p:cNvPr id="5" name="Footer Placeholder 4">
             <a:extLst>
               <a:ext uri="{FF2B5EF4-FFF2-40B4-BE49-F238E27FC236}">
-                <a16:creationId xmlns:a16="http://schemas.microsoft.com/office/drawing/2014/main" id="{73F17020-95E7-474C-9E9D-72C7A0D4A513}"/>
+                <a16:creationId xmlns:a16="http://schemas.microsoft.com/office/drawing/2014/main" xmlns="" id="{73F17020-95E7-474C-9E9D-72C7A0D4A513}"/>
               </a:ext>
             </a:extLst>
           </p:cNvPr>
@@ -292,7 +297,7 @@
           <p:cNvPr id="6" name="Slide Number Placeholder 5">
             <a:extLst>
               <a:ext uri="{FF2B5EF4-FFF2-40B4-BE49-F238E27FC236}">
-                <a16:creationId xmlns:a16="http://schemas.microsoft.com/office/drawing/2014/main" id="{086D6E6E-5A3F-4242-BE26-59E34B7FEEFF}"/>
+                <a16:creationId xmlns:a16="http://schemas.microsoft.com/office/drawing/2014/main" xmlns="" id="{086D6E6E-5A3F-4242-BE26-59E34B7FEEFF}"/>
               </a:ext>
             </a:extLst>
           </p:cNvPr>
@@ -351,7 +356,7 @@
           <p:cNvPr id="2" name="Title 1">
             <a:extLst>
               <a:ext uri="{FF2B5EF4-FFF2-40B4-BE49-F238E27FC236}">
-                <a16:creationId xmlns:a16="http://schemas.microsoft.com/office/drawing/2014/main" id="{60CE6803-6FD7-4E61-AAAD-8677322D7B16}"/>
+                <a16:creationId xmlns:a16="http://schemas.microsoft.com/office/drawing/2014/main" xmlns="" id="{60CE6803-6FD7-4E61-AAAD-8677322D7B16}"/>
               </a:ext>
             </a:extLst>
           </p:cNvPr>
@@ -380,7 +385,7 @@
           <p:cNvPr id="3" name="Vertical Text Placeholder 2">
             <a:extLst>
               <a:ext uri="{FF2B5EF4-FFF2-40B4-BE49-F238E27FC236}">
-                <a16:creationId xmlns:a16="http://schemas.microsoft.com/office/drawing/2014/main" id="{CE67FD9C-3F93-4A81-8B52-61DE45B6AF3D}"/>
+                <a16:creationId xmlns:a16="http://schemas.microsoft.com/office/drawing/2014/main" xmlns="" id="{CE67FD9C-3F93-4A81-8B52-61DE45B6AF3D}"/>
               </a:ext>
             </a:extLst>
           </p:cNvPr>
@@ -438,7 +443,7 @@
           <p:cNvPr id="4" name="Date Placeholder 3">
             <a:extLst>
               <a:ext uri="{FF2B5EF4-FFF2-40B4-BE49-F238E27FC236}">
-                <a16:creationId xmlns:a16="http://schemas.microsoft.com/office/drawing/2014/main" id="{15E86546-F634-461E-9B1D-C36946E1F354}"/>
+                <a16:creationId xmlns:a16="http://schemas.microsoft.com/office/drawing/2014/main" xmlns="" id="{15E86546-F634-461E-9B1D-C36946E1F354}"/>
               </a:ext>
             </a:extLst>
           </p:cNvPr>
@@ -467,7 +472,7 @@
           <p:cNvPr id="5" name="Footer Placeholder 4">
             <a:extLst>
               <a:ext uri="{FF2B5EF4-FFF2-40B4-BE49-F238E27FC236}">
-                <a16:creationId xmlns:a16="http://schemas.microsoft.com/office/drawing/2014/main" id="{F48C5ABE-52A1-4B7C-8B79-A027330AA8F2}"/>
+                <a16:creationId xmlns:a16="http://schemas.microsoft.com/office/drawing/2014/main" xmlns="" id="{F48C5ABE-52A1-4B7C-8B79-A027330AA8F2}"/>
               </a:ext>
             </a:extLst>
           </p:cNvPr>
@@ -492,7 +497,7 @@
           <p:cNvPr id="6" name="Slide Number Placeholder 5">
             <a:extLst>
               <a:ext uri="{FF2B5EF4-FFF2-40B4-BE49-F238E27FC236}">
-                <a16:creationId xmlns:a16="http://schemas.microsoft.com/office/drawing/2014/main" id="{10BC1F34-18B7-4234-BD30-BC1E04654C58}"/>
+                <a16:creationId xmlns:a16="http://schemas.microsoft.com/office/drawing/2014/main" xmlns="" id="{10BC1F34-18B7-4234-BD30-BC1E04654C58}"/>
               </a:ext>
             </a:extLst>
           </p:cNvPr>
@@ -551,7 +556,7 @@
           <p:cNvPr id="2" name="Vertical Title 1">
             <a:extLst>
               <a:ext uri="{FF2B5EF4-FFF2-40B4-BE49-F238E27FC236}">
-                <a16:creationId xmlns:a16="http://schemas.microsoft.com/office/drawing/2014/main" id="{C0DA0BEF-3346-4E8B-B5E2-D2E12AF17629}"/>
+                <a16:creationId xmlns:a16="http://schemas.microsoft.com/office/drawing/2014/main" xmlns="" id="{C0DA0BEF-3346-4E8B-B5E2-D2E12AF17629}"/>
               </a:ext>
             </a:extLst>
           </p:cNvPr>
@@ -585,7 +590,7 @@
           <p:cNvPr id="3" name="Vertical Text Placeholder 2">
             <a:extLst>
               <a:ext uri="{FF2B5EF4-FFF2-40B4-BE49-F238E27FC236}">
-                <a16:creationId xmlns:a16="http://schemas.microsoft.com/office/drawing/2014/main" id="{CB5191E4-84BC-43DE-9CF7-C658F25C04B1}"/>
+                <a16:creationId xmlns:a16="http://schemas.microsoft.com/office/drawing/2014/main" xmlns="" id="{CB5191E4-84BC-43DE-9CF7-C658F25C04B1}"/>
               </a:ext>
             </a:extLst>
           </p:cNvPr>
@@ -648,7 +653,7 @@
           <p:cNvPr id="4" name="Date Placeholder 3">
             <a:extLst>
               <a:ext uri="{FF2B5EF4-FFF2-40B4-BE49-F238E27FC236}">
-                <a16:creationId xmlns:a16="http://schemas.microsoft.com/office/drawing/2014/main" id="{D279BE59-18CA-42A6-B703-7D20256DF145}"/>
+                <a16:creationId xmlns:a16="http://schemas.microsoft.com/office/drawing/2014/main" xmlns="" id="{D279BE59-18CA-42A6-B703-7D20256DF145}"/>
               </a:ext>
             </a:extLst>
           </p:cNvPr>
@@ -677,7 +682,7 @@
           <p:cNvPr id="5" name="Footer Placeholder 4">
             <a:extLst>
               <a:ext uri="{FF2B5EF4-FFF2-40B4-BE49-F238E27FC236}">
-                <a16:creationId xmlns:a16="http://schemas.microsoft.com/office/drawing/2014/main" id="{AB9245CC-CB8D-4F3A-91BD-71207E646E0F}"/>
+                <a16:creationId xmlns:a16="http://schemas.microsoft.com/office/drawing/2014/main" xmlns="" id="{AB9245CC-CB8D-4F3A-91BD-71207E646E0F}"/>
               </a:ext>
             </a:extLst>
           </p:cNvPr>
@@ -702,7 +707,7 @@
           <p:cNvPr id="6" name="Slide Number Placeholder 5">
             <a:extLst>
               <a:ext uri="{FF2B5EF4-FFF2-40B4-BE49-F238E27FC236}">
-                <a16:creationId xmlns:a16="http://schemas.microsoft.com/office/drawing/2014/main" id="{FACCC264-F07F-4320-9AD9-914678407CD2}"/>
+                <a16:creationId xmlns:a16="http://schemas.microsoft.com/office/drawing/2014/main" xmlns="" id="{FACCC264-F07F-4320-9AD9-914678407CD2}"/>
               </a:ext>
             </a:extLst>
           </p:cNvPr>
@@ -761,7 +766,7 @@
           <p:cNvPr id="2" name="Title 1">
             <a:extLst>
               <a:ext uri="{FF2B5EF4-FFF2-40B4-BE49-F238E27FC236}">
-                <a16:creationId xmlns:a16="http://schemas.microsoft.com/office/drawing/2014/main" id="{DAB1A862-70AD-4440-B60D-FC9548EA0CF6}"/>
+                <a16:creationId xmlns:a16="http://schemas.microsoft.com/office/drawing/2014/main" xmlns="" id="{DAB1A862-70AD-4440-B60D-FC9548EA0CF6}"/>
               </a:ext>
             </a:extLst>
           </p:cNvPr>
@@ -790,7 +795,7 @@
           <p:cNvPr id="3" name="Content Placeholder 2">
             <a:extLst>
               <a:ext uri="{FF2B5EF4-FFF2-40B4-BE49-F238E27FC236}">
-                <a16:creationId xmlns:a16="http://schemas.microsoft.com/office/drawing/2014/main" id="{1FDF00A8-9718-4E2F-82E7-5F5CCAF64361}"/>
+                <a16:creationId xmlns:a16="http://schemas.microsoft.com/office/drawing/2014/main" xmlns="" id="{1FDF00A8-9718-4E2F-82E7-5F5CCAF64361}"/>
               </a:ext>
             </a:extLst>
           </p:cNvPr>
@@ -848,7 +853,7 @@
           <p:cNvPr id="4" name="Date Placeholder 3">
             <a:extLst>
               <a:ext uri="{FF2B5EF4-FFF2-40B4-BE49-F238E27FC236}">
-                <a16:creationId xmlns:a16="http://schemas.microsoft.com/office/drawing/2014/main" id="{CDB47FB1-69F1-48CE-B95C-C9C1F0865222}"/>
+                <a16:creationId xmlns:a16="http://schemas.microsoft.com/office/drawing/2014/main" xmlns="" id="{CDB47FB1-69F1-48CE-B95C-C9C1F0865222}"/>
               </a:ext>
             </a:extLst>
           </p:cNvPr>
@@ -877,7 +882,7 @@
           <p:cNvPr id="5" name="Footer Placeholder 4">
             <a:extLst>
               <a:ext uri="{FF2B5EF4-FFF2-40B4-BE49-F238E27FC236}">
-                <a16:creationId xmlns:a16="http://schemas.microsoft.com/office/drawing/2014/main" id="{6940AF88-0384-4924-A2E1-854BAF51FA55}"/>
+                <a16:creationId xmlns:a16="http://schemas.microsoft.com/office/drawing/2014/main" xmlns="" id="{6940AF88-0384-4924-A2E1-854BAF51FA55}"/>
               </a:ext>
             </a:extLst>
           </p:cNvPr>
@@ -902,7 +907,7 @@
           <p:cNvPr id="6" name="Slide Number Placeholder 5">
             <a:extLst>
               <a:ext uri="{FF2B5EF4-FFF2-40B4-BE49-F238E27FC236}">
-                <a16:creationId xmlns:a16="http://schemas.microsoft.com/office/drawing/2014/main" id="{ED14DD8B-150B-4848-9BD0-F69F9E29FCB9}"/>
+                <a16:creationId xmlns:a16="http://schemas.microsoft.com/office/drawing/2014/main" xmlns="" id="{ED14DD8B-150B-4848-9BD0-F69F9E29FCB9}"/>
               </a:ext>
             </a:extLst>
           </p:cNvPr>
@@ -961,7 +966,7 @@
           <p:cNvPr id="2" name="Title 1">
             <a:extLst>
               <a:ext uri="{FF2B5EF4-FFF2-40B4-BE49-F238E27FC236}">
-                <a16:creationId xmlns:a16="http://schemas.microsoft.com/office/drawing/2014/main" id="{8073AF6C-2714-47AB-8D7B-E8869B58A54D}"/>
+                <a16:creationId xmlns:a16="http://schemas.microsoft.com/office/drawing/2014/main" xmlns="" id="{8073AF6C-2714-47AB-8D7B-E8869B58A54D}"/>
               </a:ext>
             </a:extLst>
           </p:cNvPr>
@@ -999,7 +1004,7 @@
           <p:cNvPr id="3" name="Text Placeholder 2">
             <a:extLst>
               <a:ext uri="{FF2B5EF4-FFF2-40B4-BE49-F238E27FC236}">
-                <a16:creationId xmlns:a16="http://schemas.microsoft.com/office/drawing/2014/main" id="{8C62A591-27A4-4017-AB97-3BC67E7E9117}"/>
+                <a16:creationId xmlns:a16="http://schemas.microsoft.com/office/drawing/2014/main" xmlns="" id="{8C62A591-27A4-4017-AB97-3BC67E7E9117}"/>
               </a:ext>
             </a:extLst>
           </p:cNvPr>
@@ -1124,7 +1129,7 @@
           <p:cNvPr id="4" name="Date Placeholder 3">
             <a:extLst>
               <a:ext uri="{FF2B5EF4-FFF2-40B4-BE49-F238E27FC236}">
-                <a16:creationId xmlns:a16="http://schemas.microsoft.com/office/drawing/2014/main" id="{9B859E73-7BA5-48CD-8E9F-118D348C3894}"/>
+                <a16:creationId xmlns:a16="http://schemas.microsoft.com/office/drawing/2014/main" xmlns="" id="{9B859E73-7BA5-48CD-8E9F-118D348C3894}"/>
               </a:ext>
             </a:extLst>
           </p:cNvPr>
@@ -1153,7 +1158,7 @@
           <p:cNvPr id="5" name="Footer Placeholder 4">
             <a:extLst>
               <a:ext uri="{FF2B5EF4-FFF2-40B4-BE49-F238E27FC236}">
-                <a16:creationId xmlns:a16="http://schemas.microsoft.com/office/drawing/2014/main" id="{30FF6FBE-0762-4F84-AB65-0B1ADA0AA856}"/>
+                <a16:creationId xmlns:a16="http://schemas.microsoft.com/office/drawing/2014/main" xmlns="" id="{30FF6FBE-0762-4F84-AB65-0B1ADA0AA856}"/>
               </a:ext>
             </a:extLst>
           </p:cNvPr>
@@ -1178,7 +1183,7 @@
           <p:cNvPr id="6" name="Slide Number Placeholder 5">
             <a:extLst>
               <a:ext uri="{FF2B5EF4-FFF2-40B4-BE49-F238E27FC236}">
-                <a16:creationId xmlns:a16="http://schemas.microsoft.com/office/drawing/2014/main" id="{835DBE9E-B25E-4789-B7FB-D9B1D5BCFB81}"/>
+                <a16:creationId xmlns:a16="http://schemas.microsoft.com/office/drawing/2014/main" xmlns="" id="{835DBE9E-B25E-4789-B7FB-D9B1D5BCFB81}"/>
               </a:ext>
             </a:extLst>
           </p:cNvPr>
@@ -1237,7 +1242,7 @@
           <p:cNvPr id="2" name="Title 1">
             <a:extLst>
               <a:ext uri="{FF2B5EF4-FFF2-40B4-BE49-F238E27FC236}">
-                <a16:creationId xmlns:a16="http://schemas.microsoft.com/office/drawing/2014/main" id="{0CC279A1-119B-4BE2-9AE4-E721C29F727B}"/>
+                <a16:creationId xmlns:a16="http://schemas.microsoft.com/office/drawing/2014/main" xmlns="" id="{0CC279A1-119B-4BE2-9AE4-E721C29F727B}"/>
               </a:ext>
             </a:extLst>
           </p:cNvPr>
@@ -1266,7 +1271,7 @@
           <p:cNvPr id="3" name="Content Placeholder 2">
             <a:extLst>
               <a:ext uri="{FF2B5EF4-FFF2-40B4-BE49-F238E27FC236}">
-                <a16:creationId xmlns:a16="http://schemas.microsoft.com/office/drawing/2014/main" id="{592EB7E5-3140-4F87-B719-628F1DC7CEA2}"/>
+                <a16:creationId xmlns:a16="http://schemas.microsoft.com/office/drawing/2014/main" xmlns="" id="{592EB7E5-3140-4F87-B719-628F1DC7CEA2}"/>
               </a:ext>
             </a:extLst>
           </p:cNvPr>
@@ -1329,7 +1334,7 @@
           <p:cNvPr id="4" name="Content Placeholder 3">
             <a:extLst>
               <a:ext uri="{FF2B5EF4-FFF2-40B4-BE49-F238E27FC236}">
-                <a16:creationId xmlns:a16="http://schemas.microsoft.com/office/drawing/2014/main" id="{B6699663-B5BA-46E8-82B5-CE2409C6605B}"/>
+                <a16:creationId xmlns:a16="http://schemas.microsoft.com/office/drawing/2014/main" xmlns="" id="{B6699663-B5BA-46E8-82B5-CE2409C6605B}"/>
               </a:ext>
             </a:extLst>
           </p:cNvPr>
@@ -1392,7 +1397,7 @@
           <p:cNvPr id="5" name="Date Placeholder 4">
             <a:extLst>
               <a:ext uri="{FF2B5EF4-FFF2-40B4-BE49-F238E27FC236}">
-                <a16:creationId xmlns:a16="http://schemas.microsoft.com/office/drawing/2014/main" id="{D3D4748D-A37B-4953-BEFB-DBA142A6DFA6}"/>
+                <a16:creationId xmlns:a16="http://schemas.microsoft.com/office/drawing/2014/main" xmlns="" id="{D3D4748D-A37B-4953-BEFB-DBA142A6DFA6}"/>
               </a:ext>
             </a:extLst>
           </p:cNvPr>
@@ -1421,7 +1426,7 @@
           <p:cNvPr id="6" name="Footer Placeholder 5">
             <a:extLst>
               <a:ext uri="{FF2B5EF4-FFF2-40B4-BE49-F238E27FC236}">
-                <a16:creationId xmlns:a16="http://schemas.microsoft.com/office/drawing/2014/main" id="{EC75B735-72A1-4805-AD5E-8C29A98D2F95}"/>
+                <a16:creationId xmlns:a16="http://schemas.microsoft.com/office/drawing/2014/main" xmlns="" id="{EC75B735-72A1-4805-AD5E-8C29A98D2F95}"/>
               </a:ext>
             </a:extLst>
           </p:cNvPr>
@@ -1446,7 +1451,7 @@
           <p:cNvPr id="7" name="Slide Number Placeholder 6">
             <a:extLst>
               <a:ext uri="{FF2B5EF4-FFF2-40B4-BE49-F238E27FC236}">
-                <a16:creationId xmlns:a16="http://schemas.microsoft.com/office/drawing/2014/main" id="{42AA210F-1DAE-4623-9C84-60ED6E60282A}"/>
+                <a16:creationId xmlns:a16="http://schemas.microsoft.com/office/drawing/2014/main" xmlns="" id="{42AA210F-1DAE-4623-9C84-60ED6E60282A}"/>
               </a:ext>
             </a:extLst>
           </p:cNvPr>
@@ -1505,7 +1510,7 @@
           <p:cNvPr id="2" name="Title 1">
             <a:extLst>
               <a:ext uri="{FF2B5EF4-FFF2-40B4-BE49-F238E27FC236}">
-                <a16:creationId xmlns:a16="http://schemas.microsoft.com/office/drawing/2014/main" id="{076BA329-C4AD-4A5A-B1DD-154D97AB2BC2}"/>
+                <a16:creationId xmlns:a16="http://schemas.microsoft.com/office/drawing/2014/main" xmlns="" id="{076BA329-C4AD-4A5A-B1DD-154D97AB2BC2}"/>
               </a:ext>
             </a:extLst>
           </p:cNvPr>
@@ -1539,7 +1544,7 @@
           <p:cNvPr id="3" name="Text Placeholder 2">
             <a:extLst>
               <a:ext uri="{FF2B5EF4-FFF2-40B4-BE49-F238E27FC236}">
-                <a16:creationId xmlns:a16="http://schemas.microsoft.com/office/drawing/2014/main" id="{143DBA6D-0C2D-4F9B-BC83-A939F68ECF5D}"/>
+                <a16:creationId xmlns:a16="http://schemas.microsoft.com/office/drawing/2014/main" xmlns="" id="{143DBA6D-0C2D-4F9B-BC83-A939F68ECF5D}"/>
               </a:ext>
             </a:extLst>
           </p:cNvPr>
@@ -1610,7 +1615,7 @@
           <p:cNvPr id="4" name="Content Placeholder 3">
             <a:extLst>
               <a:ext uri="{FF2B5EF4-FFF2-40B4-BE49-F238E27FC236}">
-                <a16:creationId xmlns:a16="http://schemas.microsoft.com/office/drawing/2014/main" id="{932976D6-FE23-4A94-AC92-09D1D6BEFA72}"/>
+                <a16:creationId xmlns:a16="http://schemas.microsoft.com/office/drawing/2014/main" xmlns="" id="{932976D6-FE23-4A94-AC92-09D1D6BEFA72}"/>
               </a:ext>
             </a:extLst>
           </p:cNvPr>
@@ -1673,7 +1678,7 @@
           <p:cNvPr id="5" name="Text Placeholder 4">
             <a:extLst>
               <a:ext uri="{FF2B5EF4-FFF2-40B4-BE49-F238E27FC236}">
-                <a16:creationId xmlns:a16="http://schemas.microsoft.com/office/drawing/2014/main" id="{52EED9BD-EEEA-41B1-9A88-E42DFE586010}"/>
+                <a16:creationId xmlns:a16="http://schemas.microsoft.com/office/drawing/2014/main" xmlns="" id="{52EED9BD-EEEA-41B1-9A88-E42DFE586010}"/>
               </a:ext>
             </a:extLst>
           </p:cNvPr>
@@ -1744,7 +1749,7 @@
           <p:cNvPr id="6" name="Content Placeholder 5">
             <a:extLst>
               <a:ext uri="{FF2B5EF4-FFF2-40B4-BE49-F238E27FC236}">
-                <a16:creationId xmlns:a16="http://schemas.microsoft.com/office/drawing/2014/main" id="{CA3B04F6-626E-4941-BD28-E90280F77832}"/>
+                <a16:creationId xmlns:a16="http://schemas.microsoft.com/office/drawing/2014/main" xmlns="" id="{CA3B04F6-626E-4941-BD28-E90280F77832}"/>
               </a:ext>
             </a:extLst>
           </p:cNvPr>
@@ -1807,7 +1812,7 @@
           <p:cNvPr id="7" name="Date Placeholder 6">
             <a:extLst>
               <a:ext uri="{FF2B5EF4-FFF2-40B4-BE49-F238E27FC236}">
-                <a16:creationId xmlns:a16="http://schemas.microsoft.com/office/drawing/2014/main" id="{7458D609-5C95-4C44-AA2E-3FAA7249D4B8}"/>
+                <a16:creationId xmlns:a16="http://schemas.microsoft.com/office/drawing/2014/main" xmlns="" id="{7458D609-5C95-4C44-AA2E-3FAA7249D4B8}"/>
               </a:ext>
             </a:extLst>
           </p:cNvPr>
@@ -1836,7 +1841,7 @@
           <p:cNvPr id="8" name="Footer Placeholder 7">
             <a:extLst>
               <a:ext uri="{FF2B5EF4-FFF2-40B4-BE49-F238E27FC236}">
-                <a16:creationId xmlns:a16="http://schemas.microsoft.com/office/drawing/2014/main" id="{38443D8F-1E62-4AD5-866D-DB004E718DD0}"/>
+                <a16:creationId xmlns:a16="http://schemas.microsoft.com/office/drawing/2014/main" xmlns="" id="{38443D8F-1E62-4AD5-866D-DB004E718DD0}"/>
               </a:ext>
             </a:extLst>
           </p:cNvPr>
@@ -1861,7 +1866,7 @@
           <p:cNvPr id="9" name="Slide Number Placeholder 8">
             <a:extLst>
               <a:ext uri="{FF2B5EF4-FFF2-40B4-BE49-F238E27FC236}">
-                <a16:creationId xmlns:a16="http://schemas.microsoft.com/office/drawing/2014/main" id="{68E08040-BF63-43AC-B0F1-954EE9053329}"/>
+                <a16:creationId xmlns:a16="http://schemas.microsoft.com/office/drawing/2014/main" xmlns="" id="{68E08040-BF63-43AC-B0F1-954EE9053329}"/>
               </a:ext>
             </a:extLst>
           </p:cNvPr>
@@ -1920,7 +1925,7 @@
           <p:cNvPr id="2" name="Title 1">
             <a:extLst>
               <a:ext uri="{FF2B5EF4-FFF2-40B4-BE49-F238E27FC236}">
-                <a16:creationId xmlns:a16="http://schemas.microsoft.com/office/drawing/2014/main" id="{459A93AA-453C-45D1-A03B-11AC60ADBC52}"/>
+                <a16:creationId xmlns:a16="http://schemas.microsoft.com/office/drawing/2014/main" xmlns="" id="{459A93AA-453C-45D1-A03B-11AC60ADBC52}"/>
               </a:ext>
             </a:extLst>
           </p:cNvPr>
@@ -1949,7 +1954,7 @@
           <p:cNvPr id="3" name="Date Placeholder 2">
             <a:extLst>
               <a:ext uri="{FF2B5EF4-FFF2-40B4-BE49-F238E27FC236}">
-                <a16:creationId xmlns:a16="http://schemas.microsoft.com/office/drawing/2014/main" id="{44C9EFF1-C831-4976-B95C-FE926FA2248B}"/>
+                <a16:creationId xmlns:a16="http://schemas.microsoft.com/office/drawing/2014/main" xmlns="" id="{44C9EFF1-C831-4976-B95C-FE926FA2248B}"/>
               </a:ext>
             </a:extLst>
           </p:cNvPr>
@@ -1978,7 +1983,7 @@
           <p:cNvPr id="4" name="Footer Placeholder 3">
             <a:extLst>
               <a:ext uri="{FF2B5EF4-FFF2-40B4-BE49-F238E27FC236}">
-                <a16:creationId xmlns:a16="http://schemas.microsoft.com/office/drawing/2014/main" id="{4979AB4B-4743-442F-8D43-678CB62EC2E3}"/>
+                <a16:creationId xmlns:a16="http://schemas.microsoft.com/office/drawing/2014/main" xmlns="" id="{4979AB4B-4743-442F-8D43-678CB62EC2E3}"/>
               </a:ext>
             </a:extLst>
           </p:cNvPr>
@@ -2003,7 +2008,7 @@
           <p:cNvPr id="5" name="Slide Number Placeholder 4">
             <a:extLst>
               <a:ext uri="{FF2B5EF4-FFF2-40B4-BE49-F238E27FC236}">
-                <a16:creationId xmlns:a16="http://schemas.microsoft.com/office/drawing/2014/main" id="{30AE44F2-FC20-4AB0-A5A7-412AEF2D6A60}"/>
+                <a16:creationId xmlns:a16="http://schemas.microsoft.com/office/drawing/2014/main" xmlns="" id="{30AE44F2-FC20-4AB0-A5A7-412AEF2D6A60}"/>
               </a:ext>
             </a:extLst>
           </p:cNvPr>
@@ -2062,7 +2067,7 @@
           <p:cNvPr id="2" name="Date Placeholder 1">
             <a:extLst>
               <a:ext uri="{FF2B5EF4-FFF2-40B4-BE49-F238E27FC236}">
-                <a16:creationId xmlns:a16="http://schemas.microsoft.com/office/drawing/2014/main" id="{F195FE8B-3F9E-4D71-8350-944F87D8AB9E}"/>
+                <a16:creationId xmlns:a16="http://schemas.microsoft.com/office/drawing/2014/main" xmlns="" id="{F195FE8B-3F9E-4D71-8350-944F87D8AB9E}"/>
               </a:ext>
             </a:extLst>
           </p:cNvPr>
@@ -2091,7 +2096,7 @@
           <p:cNvPr id="3" name="Footer Placeholder 2">
             <a:extLst>
               <a:ext uri="{FF2B5EF4-FFF2-40B4-BE49-F238E27FC236}">
-                <a16:creationId xmlns:a16="http://schemas.microsoft.com/office/drawing/2014/main" id="{85D87ED3-33F4-47FE-A59D-71CC312DBFD8}"/>
+                <a16:creationId xmlns:a16="http://schemas.microsoft.com/office/drawing/2014/main" xmlns="" id="{85D87ED3-33F4-47FE-A59D-71CC312DBFD8}"/>
               </a:ext>
             </a:extLst>
           </p:cNvPr>
@@ -2116,7 +2121,7 @@
           <p:cNvPr id="4" name="Slide Number Placeholder 3">
             <a:extLst>
               <a:ext uri="{FF2B5EF4-FFF2-40B4-BE49-F238E27FC236}">
-                <a16:creationId xmlns:a16="http://schemas.microsoft.com/office/drawing/2014/main" id="{C2B24C30-3A87-4F99-97EB-A00A0170C403}"/>
+                <a16:creationId xmlns:a16="http://schemas.microsoft.com/office/drawing/2014/main" xmlns="" id="{C2B24C30-3A87-4F99-97EB-A00A0170C403}"/>
               </a:ext>
             </a:extLst>
           </p:cNvPr>
@@ -2175,7 +2180,7 @@
           <p:cNvPr id="2" name="Title 1">
             <a:extLst>
               <a:ext uri="{FF2B5EF4-FFF2-40B4-BE49-F238E27FC236}">
-                <a16:creationId xmlns:a16="http://schemas.microsoft.com/office/drawing/2014/main" id="{1C21450C-B9BD-40FB-8BCF-CB092B1BE7BC}"/>
+                <a16:creationId xmlns:a16="http://schemas.microsoft.com/office/drawing/2014/main" xmlns="" id="{1C21450C-B9BD-40FB-8BCF-CB092B1BE7BC}"/>
               </a:ext>
             </a:extLst>
           </p:cNvPr>
@@ -2213,7 +2218,7 @@
           <p:cNvPr id="3" name="Content Placeholder 2">
             <a:extLst>
               <a:ext uri="{FF2B5EF4-FFF2-40B4-BE49-F238E27FC236}">
-                <a16:creationId xmlns:a16="http://schemas.microsoft.com/office/drawing/2014/main" id="{F537746E-746F-48A8-9AF4-7C11E09A9F10}"/>
+                <a16:creationId xmlns:a16="http://schemas.microsoft.com/office/drawing/2014/main" xmlns="" id="{F537746E-746F-48A8-9AF4-7C11E09A9F10}"/>
               </a:ext>
             </a:extLst>
           </p:cNvPr>
@@ -2304,7 +2309,7 @@
           <p:cNvPr id="4" name="Text Placeholder 3">
             <a:extLst>
               <a:ext uri="{FF2B5EF4-FFF2-40B4-BE49-F238E27FC236}">
-                <a16:creationId xmlns:a16="http://schemas.microsoft.com/office/drawing/2014/main" id="{A5B4AF2F-7908-452B-9BEB-B5658432D9EA}"/>
+                <a16:creationId xmlns:a16="http://schemas.microsoft.com/office/drawing/2014/main" xmlns="" id="{A5B4AF2F-7908-452B-9BEB-B5658432D9EA}"/>
               </a:ext>
             </a:extLst>
           </p:cNvPr>
@@ -2375,7 +2380,7 @@
           <p:cNvPr id="5" name="Date Placeholder 4">
             <a:extLst>
               <a:ext uri="{FF2B5EF4-FFF2-40B4-BE49-F238E27FC236}">
-                <a16:creationId xmlns:a16="http://schemas.microsoft.com/office/drawing/2014/main" id="{EF630620-0C61-4BCD-81B1-490802B28975}"/>
+                <a16:creationId xmlns:a16="http://schemas.microsoft.com/office/drawing/2014/main" xmlns="" id="{EF630620-0C61-4BCD-81B1-490802B28975}"/>
               </a:ext>
             </a:extLst>
           </p:cNvPr>
@@ -2404,7 +2409,7 @@
           <p:cNvPr id="6" name="Footer Placeholder 5">
             <a:extLst>
               <a:ext uri="{FF2B5EF4-FFF2-40B4-BE49-F238E27FC236}">
-                <a16:creationId xmlns:a16="http://schemas.microsoft.com/office/drawing/2014/main" id="{2A6C92C6-A25C-43B2-86A5-8454E329E274}"/>
+                <a16:creationId xmlns:a16="http://schemas.microsoft.com/office/drawing/2014/main" xmlns="" id="{2A6C92C6-A25C-43B2-86A5-8454E329E274}"/>
               </a:ext>
             </a:extLst>
           </p:cNvPr>
@@ -2429,7 +2434,7 @@
           <p:cNvPr id="7" name="Slide Number Placeholder 6">
             <a:extLst>
               <a:ext uri="{FF2B5EF4-FFF2-40B4-BE49-F238E27FC236}">
-                <a16:creationId xmlns:a16="http://schemas.microsoft.com/office/drawing/2014/main" id="{99E6BF99-7BAC-4F66-8FD7-C952F2D94CCD}"/>
+                <a16:creationId xmlns:a16="http://schemas.microsoft.com/office/drawing/2014/main" xmlns="" id="{99E6BF99-7BAC-4F66-8FD7-C952F2D94CCD}"/>
               </a:ext>
             </a:extLst>
           </p:cNvPr>
@@ -2488,7 +2493,7 @@
           <p:cNvPr id="2" name="Title 1">
             <a:extLst>
               <a:ext uri="{FF2B5EF4-FFF2-40B4-BE49-F238E27FC236}">
-                <a16:creationId xmlns:a16="http://schemas.microsoft.com/office/drawing/2014/main" id="{1B42E050-B675-4003-8986-2D4F07CA0A57}"/>
+                <a16:creationId xmlns:a16="http://schemas.microsoft.com/office/drawing/2014/main" xmlns="" id="{1B42E050-B675-4003-8986-2D4F07CA0A57}"/>
               </a:ext>
             </a:extLst>
           </p:cNvPr>
@@ -2526,7 +2531,7 @@
           <p:cNvPr id="3" name="Picture Placeholder 2">
             <a:extLst>
               <a:ext uri="{FF2B5EF4-FFF2-40B4-BE49-F238E27FC236}">
-                <a16:creationId xmlns:a16="http://schemas.microsoft.com/office/drawing/2014/main" id="{B2D8F5D4-C274-4313-B2C9-F2EA829D7218}"/>
+                <a16:creationId xmlns:a16="http://schemas.microsoft.com/office/drawing/2014/main" xmlns="" id="{B2D8F5D4-C274-4313-B2C9-F2EA829D7218}"/>
               </a:ext>
             </a:extLst>
           </p:cNvPr>
@@ -2593,7 +2598,7 @@
           <p:cNvPr id="4" name="Text Placeholder 3">
             <a:extLst>
               <a:ext uri="{FF2B5EF4-FFF2-40B4-BE49-F238E27FC236}">
-                <a16:creationId xmlns:a16="http://schemas.microsoft.com/office/drawing/2014/main" id="{6E5D5B43-6154-4B62-A849-0977D0408FE4}"/>
+                <a16:creationId xmlns:a16="http://schemas.microsoft.com/office/drawing/2014/main" xmlns="" id="{6E5D5B43-6154-4B62-A849-0977D0408FE4}"/>
               </a:ext>
             </a:extLst>
           </p:cNvPr>
@@ -2664,7 +2669,7 @@
           <p:cNvPr id="5" name="Date Placeholder 4">
             <a:extLst>
               <a:ext uri="{FF2B5EF4-FFF2-40B4-BE49-F238E27FC236}">
-                <a16:creationId xmlns:a16="http://schemas.microsoft.com/office/drawing/2014/main" id="{79231FC6-56E7-42E6-9108-E7F2596EFABB}"/>
+                <a16:creationId xmlns:a16="http://schemas.microsoft.com/office/drawing/2014/main" xmlns="" id="{79231FC6-56E7-42E6-9108-E7F2596EFABB}"/>
               </a:ext>
             </a:extLst>
           </p:cNvPr>
@@ -2693,7 +2698,7 @@
           <p:cNvPr id="6" name="Footer Placeholder 5">
             <a:extLst>
               <a:ext uri="{FF2B5EF4-FFF2-40B4-BE49-F238E27FC236}">
-                <a16:creationId xmlns:a16="http://schemas.microsoft.com/office/drawing/2014/main" id="{D2B0AC82-F30E-4293-BEC9-27CA21B9E829}"/>
+                <a16:creationId xmlns:a16="http://schemas.microsoft.com/office/drawing/2014/main" xmlns="" id="{D2B0AC82-F30E-4293-BEC9-27CA21B9E829}"/>
               </a:ext>
             </a:extLst>
           </p:cNvPr>
@@ -2718,7 +2723,7 @@
           <p:cNvPr id="7" name="Slide Number Placeholder 6">
             <a:extLst>
               <a:ext uri="{FF2B5EF4-FFF2-40B4-BE49-F238E27FC236}">
-                <a16:creationId xmlns:a16="http://schemas.microsoft.com/office/drawing/2014/main" id="{AE63AB45-9CF7-46D7-8400-B64CFFCE2F6C}"/>
+                <a16:creationId xmlns:a16="http://schemas.microsoft.com/office/drawing/2014/main" xmlns="" id="{AE63AB45-9CF7-46D7-8400-B64CFFCE2F6C}"/>
               </a:ext>
             </a:extLst>
           </p:cNvPr>
@@ -2782,7 +2787,7 @@
           <p:cNvPr id="2" name="Title Placeholder 1">
             <a:extLst>
               <a:ext uri="{FF2B5EF4-FFF2-40B4-BE49-F238E27FC236}">
-                <a16:creationId xmlns:a16="http://schemas.microsoft.com/office/drawing/2014/main" id="{30336C84-7665-4530-962D-15E922FE0321}"/>
+                <a16:creationId xmlns:a16="http://schemas.microsoft.com/office/drawing/2014/main" xmlns="" id="{30336C84-7665-4530-962D-15E922FE0321}"/>
               </a:ext>
             </a:extLst>
           </p:cNvPr>
@@ -2821,7 +2826,7 @@
           <p:cNvPr id="3" name="Text Placeholder 2">
             <a:extLst>
               <a:ext uri="{FF2B5EF4-FFF2-40B4-BE49-F238E27FC236}">
-                <a16:creationId xmlns:a16="http://schemas.microsoft.com/office/drawing/2014/main" id="{5BFFB622-5EDD-42C1-824A-A4C430439EA1}"/>
+                <a16:creationId xmlns:a16="http://schemas.microsoft.com/office/drawing/2014/main" xmlns="" id="{5BFFB622-5EDD-42C1-824A-A4C430439EA1}"/>
               </a:ext>
             </a:extLst>
           </p:cNvPr>
@@ -2889,7 +2894,7 @@
           <p:cNvPr id="4" name="Date Placeholder 3">
             <a:extLst>
               <a:ext uri="{FF2B5EF4-FFF2-40B4-BE49-F238E27FC236}">
-                <a16:creationId xmlns:a16="http://schemas.microsoft.com/office/drawing/2014/main" id="{5F4C3340-AB5D-4FDB-BE99-930D8F73A4C5}"/>
+                <a16:creationId xmlns:a16="http://schemas.microsoft.com/office/drawing/2014/main" xmlns="" id="{5F4C3340-AB5D-4FDB-BE99-930D8F73A4C5}"/>
               </a:ext>
             </a:extLst>
           </p:cNvPr>
@@ -2936,7 +2941,7 @@
           <p:cNvPr id="5" name="Footer Placeholder 4">
             <a:extLst>
               <a:ext uri="{FF2B5EF4-FFF2-40B4-BE49-F238E27FC236}">
-                <a16:creationId xmlns:a16="http://schemas.microsoft.com/office/drawing/2014/main" id="{8E54A275-389B-4C01-B225-24E204E6F8B5}"/>
+                <a16:creationId xmlns:a16="http://schemas.microsoft.com/office/drawing/2014/main" xmlns="" id="{8E54A275-389B-4C01-B225-24E204E6F8B5}"/>
               </a:ext>
             </a:extLst>
           </p:cNvPr>
@@ -2979,7 +2984,7 @@
           <p:cNvPr id="6" name="Slide Number Placeholder 5">
             <a:extLst>
               <a:ext uri="{FF2B5EF4-FFF2-40B4-BE49-F238E27FC236}">
-                <a16:creationId xmlns:a16="http://schemas.microsoft.com/office/drawing/2014/main" id="{F065F1B9-6DCF-48A4-B232-DA34BC4176C5}"/>
+                <a16:creationId xmlns:a16="http://schemas.microsoft.com/office/drawing/2014/main" xmlns="" id="{F065F1B9-6DCF-48A4-B232-DA34BC4176C5}"/>
               </a:ext>
             </a:extLst>
           </p:cNvPr>
@@ -3347,7 +3352,7 @@
           <p:cNvPr id="4" name="Rectangle 3">
             <a:extLst>
               <a:ext uri="{FF2B5EF4-FFF2-40B4-BE49-F238E27FC236}">
-                <a16:creationId xmlns:a16="http://schemas.microsoft.com/office/drawing/2014/main" id="{7B097C35-DBF7-4E92-A2FF-81C524D5E5D8}"/>
+                <a16:creationId xmlns:a16="http://schemas.microsoft.com/office/drawing/2014/main" xmlns="" id="{7B097C35-DBF7-4E92-A2FF-81C524D5E5D8}"/>
               </a:ext>
             </a:extLst>
           </p:cNvPr>
@@ -3397,44 +3402,49 @@
           </a:p>
           <a:p>
             <a:r>
+              <a:rPr lang="en-US" sz="800" dirty="0" smtClean="0">
+                <a:solidFill>
+                  <a:schemeClr val="bg1"/>
+                </a:solidFill>
+                <a:latin typeface="Arial Black" panose="020B0A04020102020204" pitchFamily="34" charset="0"/>
+              </a:rPr>
+              <a:t>    </a:t>
+            </a:r>
+          </a:p>
+          <a:p>
+            <a:r>
               <a:rPr lang="en-US" sz="800" dirty="0">
                 <a:solidFill>
                   <a:schemeClr val="bg1"/>
                 </a:solidFill>
                 <a:latin typeface="Arial Black" panose="020B0A04020102020204" pitchFamily="34" charset="0"/>
               </a:rPr>
-              <a:t>  </a:t>
-            </a:r>
-            <a:r>
-              <a:rPr lang="en-US" sz="800" dirty="0">
-                <a:solidFill>
-                  <a:schemeClr val="bg1"/>
-                </a:solidFill>
-                <a:latin typeface="Arial Black" panose="020B0A04020102020204" pitchFamily="34" charset="0"/>
-                <a:cs typeface="Courier New" panose="02070309020205020404" pitchFamily="49" charset="0"/>
-              </a:rPr>
-              <a:t>&gt;</a:t>
-            </a:r>
-            <a:r>
-              <a:rPr lang="en-US" sz="800" dirty="0">
+              <a:t> </a:t>
+            </a:r>
+            <a:r>
+              <a:rPr lang="en-US" sz="800" dirty="0" smtClean="0">
                 <a:solidFill>
                   <a:schemeClr val="bg1"/>
                 </a:solidFill>
                 <a:latin typeface="Arial Black" panose="020B0A04020102020204" pitchFamily="34" charset="0"/>
               </a:rPr>
-              <a:t>Load song</a:t>
-            </a:r>
-          </a:p>
-          <a:p>
-            <a:r>
-              <a:rPr lang="en-US" sz="800" dirty="0">
+              <a:t>   </a:t>
+            </a:r>
+            <a:r>
+              <a:rPr lang="en-US" sz="800" dirty="0" smtClean="0">
                 <a:solidFill>
                   <a:schemeClr val="bg1"/>
                 </a:solidFill>
                 <a:latin typeface="Arial Black" panose="020B0A04020102020204" pitchFamily="34" charset="0"/>
               </a:rPr>
-              <a:t>    Learning</a:t>
-            </a:r>
+              <a:t>Learning</a:t>
+            </a:r>
+            <a:endParaRPr lang="en-US" sz="800" dirty="0">
+              <a:solidFill>
+                <a:schemeClr val="bg1"/>
+              </a:solidFill>
+              <a:latin typeface="Arial Black" panose="020B0A04020102020204" pitchFamily="34" charset="0"/>
+            </a:endParaRPr>
           </a:p>
           <a:p>
             <a:r>
@@ -3546,7 +3556,7 @@
           <p:cNvPr id="5" name="Rectangle 4">
             <a:extLst>
               <a:ext uri="{FF2B5EF4-FFF2-40B4-BE49-F238E27FC236}">
-                <a16:creationId xmlns:a16="http://schemas.microsoft.com/office/drawing/2014/main" id="{2DEC08F4-E14E-493E-BCD7-2484346D3512}"/>
+                <a16:creationId xmlns:a16="http://schemas.microsoft.com/office/drawing/2014/main" xmlns="" id="{2DEC08F4-E14E-493E-BCD7-2484346D3512}"/>
               </a:ext>
             </a:extLst>
           </p:cNvPr>
@@ -3674,7 +3684,7 @@
           <p:cNvPr id="7" name="Rectangle 6">
             <a:extLst>
               <a:ext uri="{FF2B5EF4-FFF2-40B4-BE49-F238E27FC236}">
-                <a16:creationId xmlns:a16="http://schemas.microsoft.com/office/drawing/2014/main" id="{34DD9844-D460-4C99-BA3D-9CA7FA3300BC}"/>
+                <a16:creationId xmlns:a16="http://schemas.microsoft.com/office/drawing/2014/main" xmlns="" id="{34DD9844-D460-4C99-BA3D-9CA7FA3300BC}"/>
               </a:ext>
             </a:extLst>
           </p:cNvPr>
@@ -3730,7 +3740,7 @@
           <p:cNvPr id="8" name="Rectangle 7">
             <a:extLst>
               <a:ext uri="{FF2B5EF4-FFF2-40B4-BE49-F238E27FC236}">
-                <a16:creationId xmlns:a16="http://schemas.microsoft.com/office/drawing/2014/main" id="{B7B474C9-68EC-400F-8B0B-00A9F89BF114}"/>
+                <a16:creationId xmlns:a16="http://schemas.microsoft.com/office/drawing/2014/main" xmlns="" id="{B7B474C9-68EC-400F-8B0B-00A9F89BF114}"/>
               </a:ext>
             </a:extLst>
           </p:cNvPr>
@@ -3786,7 +3796,7 @@
           <p:cNvPr id="9" name="Rectangle 8">
             <a:extLst>
               <a:ext uri="{FF2B5EF4-FFF2-40B4-BE49-F238E27FC236}">
-                <a16:creationId xmlns:a16="http://schemas.microsoft.com/office/drawing/2014/main" id="{6FB1B098-A258-442E-B2F1-58A7161CA53B}"/>
+                <a16:creationId xmlns:a16="http://schemas.microsoft.com/office/drawing/2014/main" xmlns="" id="{6FB1B098-A258-442E-B2F1-58A7161CA53B}"/>
               </a:ext>
             </a:extLst>
           </p:cNvPr>
@@ -3825,6 +3835,34 @@
           <a:lstStyle/>
           <a:p>
             <a:r>
+              <a:rPr lang="en-US" sz="800" dirty="0" smtClean="0">
+                <a:solidFill>
+                  <a:schemeClr val="tx1">
+                    <a:lumMod val="75000"/>
+                    <a:lumOff val="25000"/>
+                  </a:schemeClr>
+                </a:solidFill>
+                <a:latin typeface="Arial Black" panose="020B0A04020102020204" pitchFamily="34" charset="0"/>
+                <a:cs typeface="Aharoni" panose="020B0604020202020204" pitchFamily="2" charset="-79"/>
+              </a:rPr>
+              <a:t>Load desired song</a:t>
+            </a:r>
+          </a:p>
+          <a:p>
+            <a:r>
+              <a:rPr lang="en-US" sz="800" dirty="0" smtClean="0">
+                <a:solidFill>
+                  <a:schemeClr val="tx1">
+                    <a:lumMod val="75000"/>
+                    <a:lumOff val="25000"/>
+                  </a:schemeClr>
+                </a:solidFill>
+                <a:latin typeface="Arial Black" panose="020B0A04020102020204" pitchFamily="34" charset="0"/>
+                <a:cs typeface="Aharoni" panose="020B0604020202020204" pitchFamily="2" charset="-79"/>
+              </a:rPr>
+              <a:t>Start </a:t>
+            </a:r>
+            <a:r>
               <a:rPr lang="en-US" sz="800" dirty="0">
                 <a:solidFill>
                   <a:schemeClr val="tx1">
@@ -3835,22 +3873,7 @@
                 <a:latin typeface="Arial Black" panose="020B0A04020102020204" pitchFamily="34" charset="0"/>
                 <a:cs typeface="Aharoni" panose="020B0604020202020204" pitchFamily="2" charset="-79"/>
               </a:rPr>
-              <a:t>Load desired song</a:t>
-            </a:r>
-          </a:p>
-          <a:p>
-            <a:r>
-              <a:rPr lang="en-US" sz="800" dirty="0">
-                <a:solidFill>
-                  <a:schemeClr val="tx1">
-                    <a:lumMod val="75000"/>
-                    <a:lumOff val="25000"/>
-                  </a:schemeClr>
-                </a:solidFill>
-                <a:latin typeface="Arial Black" panose="020B0A04020102020204" pitchFamily="34" charset="0"/>
-                <a:cs typeface="Aharoni" panose="020B0604020202020204" pitchFamily="2" charset="-79"/>
-              </a:rPr>
-              <a:t>Start / Stop</a:t>
+              <a:t>/ Stop</a:t>
             </a:r>
           </a:p>
           <a:p>
@@ -3980,7 +4003,7 @@
           <p:cNvPr id="13" name="Straight Connector 12">
             <a:extLst>
               <a:ext uri="{FF2B5EF4-FFF2-40B4-BE49-F238E27FC236}">
-                <a16:creationId xmlns:a16="http://schemas.microsoft.com/office/drawing/2014/main" id="{3BC96201-AA95-4D0D-9FD1-AF107AF3D340}"/>
+                <a16:creationId xmlns:a16="http://schemas.microsoft.com/office/drawing/2014/main" xmlns="" id="{3BC96201-AA95-4D0D-9FD1-AF107AF3D340}"/>
               </a:ext>
             </a:extLst>
           </p:cNvPr>
@@ -4025,7 +4048,7 @@
           <p:cNvPr id="14" name="Straight Connector 13">
             <a:extLst>
               <a:ext uri="{FF2B5EF4-FFF2-40B4-BE49-F238E27FC236}">
-                <a16:creationId xmlns:a16="http://schemas.microsoft.com/office/drawing/2014/main" id="{1AFAB553-3B1B-43DE-B7ED-43BD9C548651}"/>
+                <a16:creationId xmlns:a16="http://schemas.microsoft.com/office/drawing/2014/main" xmlns="" id="{1AFAB553-3B1B-43DE-B7ED-43BD9C548651}"/>
               </a:ext>
             </a:extLst>
           </p:cNvPr>
@@ -4070,7 +4093,7 @@
           <p:cNvPr id="15" name="Straight Connector 14">
             <a:extLst>
               <a:ext uri="{FF2B5EF4-FFF2-40B4-BE49-F238E27FC236}">
-                <a16:creationId xmlns:a16="http://schemas.microsoft.com/office/drawing/2014/main" id="{5CE3FFB6-5E81-4E01-B5B0-1FFED3EA7CD3}"/>
+                <a16:creationId xmlns:a16="http://schemas.microsoft.com/office/drawing/2014/main" xmlns="" id="{5CE3FFB6-5E81-4E01-B5B0-1FFED3EA7CD3}"/>
               </a:ext>
             </a:extLst>
           </p:cNvPr>
@@ -4115,7 +4138,7 @@
           <p:cNvPr id="19" name="Straight Connector 18">
             <a:extLst>
               <a:ext uri="{FF2B5EF4-FFF2-40B4-BE49-F238E27FC236}">
-                <a16:creationId xmlns:a16="http://schemas.microsoft.com/office/drawing/2014/main" id="{28BC5546-0391-43B3-B7F2-DD25EEB4A2A9}"/>
+                <a16:creationId xmlns:a16="http://schemas.microsoft.com/office/drawing/2014/main" xmlns="" id="{28BC5546-0391-43B3-B7F2-DD25EEB4A2A9}"/>
               </a:ext>
             </a:extLst>
           </p:cNvPr>
@@ -4160,7 +4183,7 @@
           <p:cNvPr id="20" name="Straight Connector 19">
             <a:extLst>
               <a:ext uri="{FF2B5EF4-FFF2-40B4-BE49-F238E27FC236}">
-                <a16:creationId xmlns:a16="http://schemas.microsoft.com/office/drawing/2014/main" id="{C94F907C-0B67-4B83-A741-682D1C475ABE}"/>
+                <a16:creationId xmlns:a16="http://schemas.microsoft.com/office/drawing/2014/main" xmlns="" id="{C94F907C-0B67-4B83-A741-682D1C475ABE}"/>
               </a:ext>
             </a:extLst>
           </p:cNvPr>
@@ -4205,7 +4228,7 @@
           <p:cNvPr id="21" name="Straight Connector 20">
             <a:extLst>
               <a:ext uri="{FF2B5EF4-FFF2-40B4-BE49-F238E27FC236}">
-                <a16:creationId xmlns:a16="http://schemas.microsoft.com/office/drawing/2014/main" id="{F5B5418E-9F2A-4666-B2E6-F698DFAE119D}"/>
+                <a16:creationId xmlns:a16="http://schemas.microsoft.com/office/drawing/2014/main" xmlns="" id="{F5B5418E-9F2A-4666-B2E6-F698DFAE119D}"/>
               </a:ext>
             </a:extLst>
           </p:cNvPr>
@@ -4250,7 +4273,7 @@
           <p:cNvPr id="23" name="Straight Connector 22">
             <a:extLst>
               <a:ext uri="{FF2B5EF4-FFF2-40B4-BE49-F238E27FC236}">
-                <a16:creationId xmlns:a16="http://schemas.microsoft.com/office/drawing/2014/main" id="{9D6558FE-AAF9-4BDE-BC13-655198FF670E}"/>
+                <a16:creationId xmlns:a16="http://schemas.microsoft.com/office/drawing/2014/main" xmlns="" id="{9D6558FE-AAF9-4BDE-BC13-655198FF670E}"/>
               </a:ext>
             </a:extLst>
           </p:cNvPr>
@@ -4295,7 +4318,7 @@
           <p:cNvPr id="24" name="Straight Connector 23">
             <a:extLst>
               <a:ext uri="{FF2B5EF4-FFF2-40B4-BE49-F238E27FC236}">
-                <a16:creationId xmlns:a16="http://schemas.microsoft.com/office/drawing/2014/main" id="{A68BC55F-0EEC-43F6-A186-3CA5182C0751}"/>
+                <a16:creationId xmlns:a16="http://schemas.microsoft.com/office/drawing/2014/main" xmlns="" id="{A68BC55F-0EEC-43F6-A186-3CA5182C0751}"/>
               </a:ext>
             </a:extLst>
           </p:cNvPr>
@@ -4340,7 +4363,7 @@
           <p:cNvPr id="25" name="Straight Connector 24">
             <a:extLst>
               <a:ext uri="{FF2B5EF4-FFF2-40B4-BE49-F238E27FC236}">
-                <a16:creationId xmlns:a16="http://schemas.microsoft.com/office/drawing/2014/main" id="{92572E86-AAB9-4DE8-8899-4F850B973E7F}"/>
+                <a16:creationId xmlns:a16="http://schemas.microsoft.com/office/drawing/2014/main" xmlns="" id="{92572E86-AAB9-4DE8-8899-4F850B973E7F}"/>
               </a:ext>
             </a:extLst>
           </p:cNvPr>
@@ -4385,7 +4408,7 @@
           <p:cNvPr id="26" name="Straight Connector 25">
             <a:extLst>
               <a:ext uri="{FF2B5EF4-FFF2-40B4-BE49-F238E27FC236}">
-                <a16:creationId xmlns:a16="http://schemas.microsoft.com/office/drawing/2014/main" id="{19A6853C-4521-475E-9DA4-383E2ECC1FD9}"/>
+                <a16:creationId xmlns:a16="http://schemas.microsoft.com/office/drawing/2014/main" xmlns="" id="{19A6853C-4521-475E-9DA4-383E2ECC1FD9}"/>
               </a:ext>
             </a:extLst>
           </p:cNvPr>
@@ -4425,6 +4448,64 @@
           </a:fontRef>
         </p:style>
       </p:cxnSp>
+      <p:sp>
+        <p:nvSpPr>
+          <p:cNvPr id="17" name="Rectangle 16">
+            <a:extLst>
+              <a:ext uri="{FF2B5EF4-FFF2-40B4-BE49-F238E27FC236}">
+                <a16:creationId xmlns:a16="http://schemas.microsoft.com/office/drawing/2014/main" xmlns="" id="{6FB1B098-A258-442E-B2F1-58A7161CA53B}"/>
+              </a:ext>
+            </a:extLst>
+          </p:cNvPr>
+          <p:cNvSpPr/>
+          <p:nvPr/>
+        </p:nvSpPr>
+        <p:spPr>
+          <a:xfrm>
+            <a:off x="876300" y="691056"/>
+            <a:ext cx="1447801" cy="119828"/>
+          </a:xfrm>
+          <a:prstGeom prst="rect">
+            <a:avLst/>
+          </a:prstGeom>
+          <a:solidFill>
+            <a:srgbClr val="D000D0"/>
+          </a:solidFill>
+          <a:ln>
+            <a:noFill/>
+          </a:ln>
+        </p:spPr>
+        <p:style>
+          <a:lnRef idx="2">
+            <a:schemeClr val="dk1"/>
+          </a:lnRef>
+          <a:fillRef idx="1">
+            <a:schemeClr val="lt1"/>
+          </a:fillRef>
+          <a:effectRef idx="0">
+            <a:schemeClr val="dk1"/>
+          </a:effectRef>
+          <a:fontRef idx="minor">
+            <a:schemeClr val="dk1"/>
+          </a:fontRef>
+        </p:style>
+        <p:txBody>
+          <a:bodyPr lIns="0" tIns="0" rIns="0" bIns="0" rtlCol="0" anchor="t"/>
+          <a:lstStyle/>
+          <a:p>
+            <a:r>
+              <a:rPr lang="en-US" sz="800" dirty="0" smtClean="0">
+                <a:solidFill>
+                  <a:schemeClr val="bg1"/>
+                </a:solidFill>
+                <a:latin typeface="Arial Black" panose="020B0A04020102020204" pitchFamily="34" charset="0"/>
+                <a:cs typeface="Aharoni" panose="020B0604020202020204" pitchFamily="2" charset="-79"/>
+              </a:rPr>
+              <a:t> &gt;Load song</a:t>
+            </a:r>
+          </a:p>
+        </p:txBody>
+      </p:sp>
     </p:spTree>
     <p:extLst>
       <p:ext uri="{BB962C8B-B14F-4D97-AF65-F5344CB8AC3E}">

--- a/Docs/pics/learnmidi_pic.pptx
+++ b/Docs/pics/learnmidi_pic.pptx
@@ -134,7 +134,7 @@
           <p:cNvPr id="2" name="Title 1">
             <a:extLst>
               <a:ext uri="{FF2B5EF4-FFF2-40B4-BE49-F238E27FC236}">
-                <a16:creationId xmlns:a16="http://schemas.microsoft.com/office/drawing/2014/main" xmlns="" id="{E1AAC37F-3231-4D59-9D5F-1A2FEEF2790F}"/>
+                <a16:creationId xmlns:a16="http://schemas.microsoft.com/office/drawing/2014/main" id="{E1AAC37F-3231-4D59-9D5F-1A2FEEF2790F}"/>
               </a:ext>
             </a:extLst>
           </p:cNvPr>
@@ -172,7 +172,7 @@
           <p:cNvPr id="3" name="Subtitle 2">
             <a:extLst>
               <a:ext uri="{FF2B5EF4-FFF2-40B4-BE49-F238E27FC236}">
-                <a16:creationId xmlns:a16="http://schemas.microsoft.com/office/drawing/2014/main" xmlns="" id="{2AC57608-8E0F-4F63-81AC-71E711F4B2F1}"/>
+                <a16:creationId xmlns:a16="http://schemas.microsoft.com/office/drawing/2014/main" id="{2AC57608-8E0F-4F63-81AC-71E711F4B2F1}"/>
               </a:ext>
             </a:extLst>
           </p:cNvPr>
@@ -243,7 +243,7 @@
           <p:cNvPr id="4" name="Date Placeholder 3">
             <a:extLst>
               <a:ext uri="{FF2B5EF4-FFF2-40B4-BE49-F238E27FC236}">
-                <a16:creationId xmlns:a16="http://schemas.microsoft.com/office/drawing/2014/main" xmlns="" id="{B85FBF79-63AD-406B-BC9A-58B6C30AB2BA}"/>
+                <a16:creationId xmlns:a16="http://schemas.microsoft.com/office/drawing/2014/main" id="{B85FBF79-63AD-406B-BC9A-58B6C30AB2BA}"/>
               </a:ext>
             </a:extLst>
           </p:cNvPr>
@@ -261,7 +261,7 @@
           <a:p>
             <a:fld id="{AFD473D3-2E54-4CEE-9396-265A30183089}" type="datetimeFigureOut">
               <a:rPr lang="nl-NL" smtClean="0"/>
-              <a:t>10-3-2021</a:t>
+              <a:t>11-3-2021</a:t>
             </a:fld>
             <a:endParaRPr lang="nl-NL"/>
           </a:p>
@@ -272,7 +272,7 @@
           <p:cNvPr id="5" name="Footer Placeholder 4">
             <a:extLst>
               <a:ext uri="{FF2B5EF4-FFF2-40B4-BE49-F238E27FC236}">
-                <a16:creationId xmlns:a16="http://schemas.microsoft.com/office/drawing/2014/main" xmlns="" id="{73F17020-95E7-474C-9E9D-72C7A0D4A513}"/>
+                <a16:creationId xmlns:a16="http://schemas.microsoft.com/office/drawing/2014/main" id="{73F17020-95E7-474C-9E9D-72C7A0D4A513}"/>
               </a:ext>
             </a:extLst>
           </p:cNvPr>
@@ -297,7 +297,7 @@
           <p:cNvPr id="6" name="Slide Number Placeholder 5">
             <a:extLst>
               <a:ext uri="{FF2B5EF4-FFF2-40B4-BE49-F238E27FC236}">
-                <a16:creationId xmlns:a16="http://schemas.microsoft.com/office/drawing/2014/main" xmlns="" id="{086D6E6E-5A3F-4242-BE26-59E34B7FEEFF}"/>
+                <a16:creationId xmlns:a16="http://schemas.microsoft.com/office/drawing/2014/main" id="{086D6E6E-5A3F-4242-BE26-59E34B7FEEFF}"/>
               </a:ext>
             </a:extLst>
           </p:cNvPr>
@@ -356,7 +356,7 @@
           <p:cNvPr id="2" name="Title 1">
             <a:extLst>
               <a:ext uri="{FF2B5EF4-FFF2-40B4-BE49-F238E27FC236}">
-                <a16:creationId xmlns:a16="http://schemas.microsoft.com/office/drawing/2014/main" xmlns="" id="{60CE6803-6FD7-4E61-AAAD-8677322D7B16}"/>
+                <a16:creationId xmlns:a16="http://schemas.microsoft.com/office/drawing/2014/main" id="{60CE6803-6FD7-4E61-AAAD-8677322D7B16}"/>
               </a:ext>
             </a:extLst>
           </p:cNvPr>
@@ -385,7 +385,7 @@
           <p:cNvPr id="3" name="Vertical Text Placeholder 2">
             <a:extLst>
               <a:ext uri="{FF2B5EF4-FFF2-40B4-BE49-F238E27FC236}">
-                <a16:creationId xmlns:a16="http://schemas.microsoft.com/office/drawing/2014/main" xmlns="" id="{CE67FD9C-3F93-4A81-8B52-61DE45B6AF3D}"/>
+                <a16:creationId xmlns:a16="http://schemas.microsoft.com/office/drawing/2014/main" id="{CE67FD9C-3F93-4A81-8B52-61DE45B6AF3D}"/>
               </a:ext>
             </a:extLst>
           </p:cNvPr>
@@ -443,7 +443,7 @@
           <p:cNvPr id="4" name="Date Placeholder 3">
             <a:extLst>
               <a:ext uri="{FF2B5EF4-FFF2-40B4-BE49-F238E27FC236}">
-                <a16:creationId xmlns:a16="http://schemas.microsoft.com/office/drawing/2014/main" xmlns="" id="{15E86546-F634-461E-9B1D-C36946E1F354}"/>
+                <a16:creationId xmlns:a16="http://schemas.microsoft.com/office/drawing/2014/main" id="{15E86546-F634-461E-9B1D-C36946E1F354}"/>
               </a:ext>
             </a:extLst>
           </p:cNvPr>
@@ -461,7 +461,7 @@
           <a:p>
             <a:fld id="{AFD473D3-2E54-4CEE-9396-265A30183089}" type="datetimeFigureOut">
               <a:rPr lang="nl-NL" smtClean="0"/>
-              <a:t>10-3-2021</a:t>
+              <a:t>11-3-2021</a:t>
             </a:fld>
             <a:endParaRPr lang="nl-NL"/>
           </a:p>
@@ -472,7 +472,7 @@
           <p:cNvPr id="5" name="Footer Placeholder 4">
             <a:extLst>
               <a:ext uri="{FF2B5EF4-FFF2-40B4-BE49-F238E27FC236}">
-                <a16:creationId xmlns:a16="http://schemas.microsoft.com/office/drawing/2014/main" xmlns="" id="{F48C5ABE-52A1-4B7C-8B79-A027330AA8F2}"/>
+                <a16:creationId xmlns:a16="http://schemas.microsoft.com/office/drawing/2014/main" id="{F48C5ABE-52A1-4B7C-8B79-A027330AA8F2}"/>
               </a:ext>
             </a:extLst>
           </p:cNvPr>
@@ -497,7 +497,7 @@
           <p:cNvPr id="6" name="Slide Number Placeholder 5">
             <a:extLst>
               <a:ext uri="{FF2B5EF4-FFF2-40B4-BE49-F238E27FC236}">
-                <a16:creationId xmlns:a16="http://schemas.microsoft.com/office/drawing/2014/main" xmlns="" id="{10BC1F34-18B7-4234-BD30-BC1E04654C58}"/>
+                <a16:creationId xmlns:a16="http://schemas.microsoft.com/office/drawing/2014/main" id="{10BC1F34-18B7-4234-BD30-BC1E04654C58}"/>
               </a:ext>
             </a:extLst>
           </p:cNvPr>
@@ -556,7 +556,7 @@
           <p:cNvPr id="2" name="Vertical Title 1">
             <a:extLst>
               <a:ext uri="{FF2B5EF4-FFF2-40B4-BE49-F238E27FC236}">
-                <a16:creationId xmlns:a16="http://schemas.microsoft.com/office/drawing/2014/main" xmlns="" id="{C0DA0BEF-3346-4E8B-B5E2-D2E12AF17629}"/>
+                <a16:creationId xmlns:a16="http://schemas.microsoft.com/office/drawing/2014/main" id="{C0DA0BEF-3346-4E8B-B5E2-D2E12AF17629}"/>
               </a:ext>
             </a:extLst>
           </p:cNvPr>
@@ -590,7 +590,7 @@
           <p:cNvPr id="3" name="Vertical Text Placeholder 2">
             <a:extLst>
               <a:ext uri="{FF2B5EF4-FFF2-40B4-BE49-F238E27FC236}">
-                <a16:creationId xmlns:a16="http://schemas.microsoft.com/office/drawing/2014/main" xmlns="" id="{CB5191E4-84BC-43DE-9CF7-C658F25C04B1}"/>
+                <a16:creationId xmlns:a16="http://schemas.microsoft.com/office/drawing/2014/main" id="{CB5191E4-84BC-43DE-9CF7-C658F25C04B1}"/>
               </a:ext>
             </a:extLst>
           </p:cNvPr>
@@ -653,7 +653,7 @@
           <p:cNvPr id="4" name="Date Placeholder 3">
             <a:extLst>
               <a:ext uri="{FF2B5EF4-FFF2-40B4-BE49-F238E27FC236}">
-                <a16:creationId xmlns:a16="http://schemas.microsoft.com/office/drawing/2014/main" xmlns="" id="{D279BE59-18CA-42A6-B703-7D20256DF145}"/>
+                <a16:creationId xmlns:a16="http://schemas.microsoft.com/office/drawing/2014/main" id="{D279BE59-18CA-42A6-B703-7D20256DF145}"/>
               </a:ext>
             </a:extLst>
           </p:cNvPr>
@@ -671,7 +671,7 @@
           <a:p>
             <a:fld id="{AFD473D3-2E54-4CEE-9396-265A30183089}" type="datetimeFigureOut">
               <a:rPr lang="nl-NL" smtClean="0"/>
-              <a:t>10-3-2021</a:t>
+              <a:t>11-3-2021</a:t>
             </a:fld>
             <a:endParaRPr lang="nl-NL"/>
           </a:p>
@@ -682,7 +682,7 @@
           <p:cNvPr id="5" name="Footer Placeholder 4">
             <a:extLst>
               <a:ext uri="{FF2B5EF4-FFF2-40B4-BE49-F238E27FC236}">
-                <a16:creationId xmlns:a16="http://schemas.microsoft.com/office/drawing/2014/main" xmlns="" id="{AB9245CC-CB8D-4F3A-91BD-71207E646E0F}"/>
+                <a16:creationId xmlns:a16="http://schemas.microsoft.com/office/drawing/2014/main" id="{AB9245CC-CB8D-4F3A-91BD-71207E646E0F}"/>
               </a:ext>
             </a:extLst>
           </p:cNvPr>
@@ -707,7 +707,7 @@
           <p:cNvPr id="6" name="Slide Number Placeholder 5">
             <a:extLst>
               <a:ext uri="{FF2B5EF4-FFF2-40B4-BE49-F238E27FC236}">
-                <a16:creationId xmlns:a16="http://schemas.microsoft.com/office/drawing/2014/main" xmlns="" id="{FACCC264-F07F-4320-9AD9-914678407CD2}"/>
+                <a16:creationId xmlns:a16="http://schemas.microsoft.com/office/drawing/2014/main" id="{FACCC264-F07F-4320-9AD9-914678407CD2}"/>
               </a:ext>
             </a:extLst>
           </p:cNvPr>
@@ -766,7 +766,7 @@
           <p:cNvPr id="2" name="Title 1">
             <a:extLst>
               <a:ext uri="{FF2B5EF4-FFF2-40B4-BE49-F238E27FC236}">
-                <a16:creationId xmlns:a16="http://schemas.microsoft.com/office/drawing/2014/main" xmlns="" id="{DAB1A862-70AD-4440-B60D-FC9548EA0CF6}"/>
+                <a16:creationId xmlns:a16="http://schemas.microsoft.com/office/drawing/2014/main" id="{DAB1A862-70AD-4440-B60D-FC9548EA0CF6}"/>
               </a:ext>
             </a:extLst>
           </p:cNvPr>
@@ -795,7 +795,7 @@
           <p:cNvPr id="3" name="Content Placeholder 2">
             <a:extLst>
               <a:ext uri="{FF2B5EF4-FFF2-40B4-BE49-F238E27FC236}">
-                <a16:creationId xmlns:a16="http://schemas.microsoft.com/office/drawing/2014/main" xmlns="" id="{1FDF00A8-9718-4E2F-82E7-5F5CCAF64361}"/>
+                <a16:creationId xmlns:a16="http://schemas.microsoft.com/office/drawing/2014/main" id="{1FDF00A8-9718-4E2F-82E7-5F5CCAF64361}"/>
               </a:ext>
             </a:extLst>
           </p:cNvPr>
@@ -853,7 +853,7 @@
           <p:cNvPr id="4" name="Date Placeholder 3">
             <a:extLst>
               <a:ext uri="{FF2B5EF4-FFF2-40B4-BE49-F238E27FC236}">
-                <a16:creationId xmlns:a16="http://schemas.microsoft.com/office/drawing/2014/main" xmlns="" id="{CDB47FB1-69F1-48CE-B95C-C9C1F0865222}"/>
+                <a16:creationId xmlns:a16="http://schemas.microsoft.com/office/drawing/2014/main" id="{CDB47FB1-69F1-48CE-B95C-C9C1F0865222}"/>
               </a:ext>
             </a:extLst>
           </p:cNvPr>
@@ -871,7 +871,7 @@
           <a:p>
             <a:fld id="{AFD473D3-2E54-4CEE-9396-265A30183089}" type="datetimeFigureOut">
               <a:rPr lang="nl-NL" smtClean="0"/>
-              <a:t>10-3-2021</a:t>
+              <a:t>11-3-2021</a:t>
             </a:fld>
             <a:endParaRPr lang="nl-NL"/>
           </a:p>
@@ -882,7 +882,7 @@
           <p:cNvPr id="5" name="Footer Placeholder 4">
             <a:extLst>
               <a:ext uri="{FF2B5EF4-FFF2-40B4-BE49-F238E27FC236}">
-                <a16:creationId xmlns:a16="http://schemas.microsoft.com/office/drawing/2014/main" xmlns="" id="{6940AF88-0384-4924-A2E1-854BAF51FA55}"/>
+                <a16:creationId xmlns:a16="http://schemas.microsoft.com/office/drawing/2014/main" id="{6940AF88-0384-4924-A2E1-854BAF51FA55}"/>
               </a:ext>
             </a:extLst>
           </p:cNvPr>
@@ -907,7 +907,7 @@
           <p:cNvPr id="6" name="Slide Number Placeholder 5">
             <a:extLst>
               <a:ext uri="{FF2B5EF4-FFF2-40B4-BE49-F238E27FC236}">
-                <a16:creationId xmlns:a16="http://schemas.microsoft.com/office/drawing/2014/main" xmlns="" id="{ED14DD8B-150B-4848-9BD0-F69F9E29FCB9}"/>
+                <a16:creationId xmlns:a16="http://schemas.microsoft.com/office/drawing/2014/main" id="{ED14DD8B-150B-4848-9BD0-F69F9E29FCB9}"/>
               </a:ext>
             </a:extLst>
           </p:cNvPr>
@@ -966,7 +966,7 @@
           <p:cNvPr id="2" name="Title 1">
             <a:extLst>
               <a:ext uri="{FF2B5EF4-FFF2-40B4-BE49-F238E27FC236}">
-                <a16:creationId xmlns:a16="http://schemas.microsoft.com/office/drawing/2014/main" xmlns="" id="{8073AF6C-2714-47AB-8D7B-E8869B58A54D}"/>
+                <a16:creationId xmlns:a16="http://schemas.microsoft.com/office/drawing/2014/main" id="{8073AF6C-2714-47AB-8D7B-E8869B58A54D}"/>
               </a:ext>
             </a:extLst>
           </p:cNvPr>
@@ -1004,7 +1004,7 @@
           <p:cNvPr id="3" name="Text Placeholder 2">
             <a:extLst>
               <a:ext uri="{FF2B5EF4-FFF2-40B4-BE49-F238E27FC236}">
-                <a16:creationId xmlns:a16="http://schemas.microsoft.com/office/drawing/2014/main" xmlns="" id="{8C62A591-27A4-4017-AB97-3BC67E7E9117}"/>
+                <a16:creationId xmlns:a16="http://schemas.microsoft.com/office/drawing/2014/main" id="{8C62A591-27A4-4017-AB97-3BC67E7E9117}"/>
               </a:ext>
             </a:extLst>
           </p:cNvPr>
@@ -1129,7 +1129,7 @@
           <p:cNvPr id="4" name="Date Placeholder 3">
             <a:extLst>
               <a:ext uri="{FF2B5EF4-FFF2-40B4-BE49-F238E27FC236}">
-                <a16:creationId xmlns:a16="http://schemas.microsoft.com/office/drawing/2014/main" xmlns="" id="{9B859E73-7BA5-48CD-8E9F-118D348C3894}"/>
+                <a16:creationId xmlns:a16="http://schemas.microsoft.com/office/drawing/2014/main" id="{9B859E73-7BA5-48CD-8E9F-118D348C3894}"/>
               </a:ext>
             </a:extLst>
           </p:cNvPr>
@@ -1147,7 +1147,7 @@
           <a:p>
             <a:fld id="{AFD473D3-2E54-4CEE-9396-265A30183089}" type="datetimeFigureOut">
               <a:rPr lang="nl-NL" smtClean="0"/>
-              <a:t>10-3-2021</a:t>
+              <a:t>11-3-2021</a:t>
             </a:fld>
             <a:endParaRPr lang="nl-NL"/>
           </a:p>
@@ -1158,7 +1158,7 @@
           <p:cNvPr id="5" name="Footer Placeholder 4">
             <a:extLst>
               <a:ext uri="{FF2B5EF4-FFF2-40B4-BE49-F238E27FC236}">
-                <a16:creationId xmlns:a16="http://schemas.microsoft.com/office/drawing/2014/main" xmlns="" id="{30FF6FBE-0762-4F84-AB65-0B1ADA0AA856}"/>
+                <a16:creationId xmlns:a16="http://schemas.microsoft.com/office/drawing/2014/main" id="{30FF6FBE-0762-4F84-AB65-0B1ADA0AA856}"/>
               </a:ext>
             </a:extLst>
           </p:cNvPr>
@@ -1183,7 +1183,7 @@
           <p:cNvPr id="6" name="Slide Number Placeholder 5">
             <a:extLst>
               <a:ext uri="{FF2B5EF4-FFF2-40B4-BE49-F238E27FC236}">
-                <a16:creationId xmlns:a16="http://schemas.microsoft.com/office/drawing/2014/main" xmlns="" id="{835DBE9E-B25E-4789-B7FB-D9B1D5BCFB81}"/>
+                <a16:creationId xmlns:a16="http://schemas.microsoft.com/office/drawing/2014/main" id="{835DBE9E-B25E-4789-B7FB-D9B1D5BCFB81}"/>
               </a:ext>
             </a:extLst>
           </p:cNvPr>
@@ -1242,7 +1242,7 @@
           <p:cNvPr id="2" name="Title 1">
             <a:extLst>
               <a:ext uri="{FF2B5EF4-FFF2-40B4-BE49-F238E27FC236}">
-                <a16:creationId xmlns:a16="http://schemas.microsoft.com/office/drawing/2014/main" xmlns="" id="{0CC279A1-119B-4BE2-9AE4-E721C29F727B}"/>
+                <a16:creationId xmlns:a16="http://schemas.microsoft.com/office/drawing/2014/main" id="{0CC279A1-119B-4BE2-9AE4-E721C29F727B}"/>
               </a:ext>
             </a:extLst>
           </p:cNvPr>
@@ -1271,7 +1271,7 @@
           <p:cNvPr id="3" name="Content Placeholder 2">
             <a:extLst>
               <a:ext uri="{FF2B5EF4-FFF2-40B4-BE49-F238E27FC236}">
-                <a16:creationId xmlns:a16="http://schemas.microsoft.com/office/drawing/2014/main" xmlns="" id="{592EB7E5-3140-4F87-B719-628F1DC7CEA2}"/>
+                <a16:creationId xmlns:a16="http://schemas.microsoft.com/office/drawing/2014/main" id="{592EB7E5-3140-4F87-B719-628F1DC7CEA2}"/>
               </a:ext>
             </a:extLst>
           </p:cNvPr>
@@ -1334,7 +1334,7 @@
           <p:cNvPr id="4" name="Content Placeholder 3">
             <a:extLst>
               <a:ext uri="{FF2B5EF4-FFF2-40B4-BE49-F238E27FC236}">
-                <a16:creationId xmlns:a16="http://schemas.microsoft.com/office/drawing/2014/main" xmlns="" id="{B6699663-B5BA-46E8-82B5-CE2409C6605B}"/>
+                <a16:creationId xmlns:a16="http://schemas.microsoft.com/office/drawing/2014/main" id="{B6699663-B5BA-46E8-82B5-CE2409C6605B}"/>
               </a:ext>
             </a:extLst>
           </p:cNvPr>
@@ -1397,7 +1397,7 @@
           <p:cNvPr id="5" name="Date Placeholder 4">
             <a:extLst>
               <a:ext uri="{FF2B5EF4-FFF2-40B4-BE49-F238E27FC236}">
-                <a16:creationId xmlns:a16="http://schemas.microsoft.com/office/drawing/2014/main" xmlns="" id="{D3D4748D-A37B-4953-BEFB-DBA142A6DFA6}"/>
+                <a16:creationId xmlns:a16="http://schemas.microsoft.com/office/drawing/2014/main" id="{D3D4748D-A37B-4953-BEFB-DBA142A6DFA6}"/>
               </a:ext>
             </a:extLst>
           </p:cNvPr>
@@ -1415,7 +1415,7 @@
           <a:p>
             <a:fld id="{AFD473D3-2E54-4CEE-9396-265A30183089}" type="datetimeFigureOut">
               <a:rPr lang="nl-NL" smtClean="0"/>
-              <a:t>10-3-2021</a:t>
+              <a:t>11-3-2021</a:t>
             </a:fld>
             <a:endParaRPr lang="nl-NL"/>
           </a:p>
@@ -1426,7 +1426,7 @@
           <p:cNvPr id="6" name="Footer Placeholder 5">
             <a:extLst>
               <a:ext uri="{FF2B5EF4-FFF2-40B4-BE49-F238E27FC236}">
-                <a16:creationId xmlns:a16="http://schemas.microsoft.com/office/drawing/2014/main" xmlns="" id="{EC75B735-72A1-4805-AD5E-8C29A98D2F95}"/>
+                <a16:creationId xmlns:a16="http://schemas.microsoft.com/office/drawing/2014/main" id="{EC75B735-72A1-4805-AD5E-8C29A98D2F95}"/>
               </a:ext>
             </a:extLst>
           </p:cNvPr>
@@ -1451,7 +1451,7 @@
           <p:cNvPr id="7" name="Slide Number Placeholder 6">
             <a:extLst>
               <a:ext uri="{FF2B5EF4-FFF2-40B4-BE49-F238E27FC236}">
-                <a16:creationId xmlns:a16="http://schemas.microsoft.com/office/drawing/2014/main" xmlns="" id="{42AA210F-1DAE-4623-9C84-60ED6E60282A}"/>
+                <a16:creationId xmlns:a16="http://schemas.microsoft.com/office/drawing/2014/main" id="{42AA210F-1DAE-4623-9C84-60ED6E60282A}"/>
               </a:ext>
             </a:extLst>
           </p:cNvPr>
@@ -1510,7 +1510,7 @@
           <p:cNvPr id="2" name="Title 1">
             <a:extLst>
               <a:ext uri="{FF2B5EF4-FFF2-40B4-BE49-F238E27FC236}">
-                <a16:creationId xmlns:a16="http://schemas.microsoft.com/office/drawing/2014/main" xmlns="" id="{076BA329-C4AD-4A5A-B1DD-154D97AB2BC2}"/>
+                <a16:creationId xmlns:a16="http://schemas.microsoft.com/office/drawing/2014/main" id="{076BA329-C4AD-4A5A-B1DD-154D97AB2BC2}"/>
               </a:ext>
             </a:extLst>
           </p:cNvPr>
@@ -1544,7 +1544,7 @@
           <p:cNvPr id="3" name="Text Placeholder 2">
             <a:extLst>
               <a:ext uri="{FF2B5EF4-FFF2-40B4-BE49-F238E27FC236}">
-                <a16:creationId xmlns:a16="http://schemas.microsoft.com/office/drawing/2014/main" xmlns="" id="{143DBA6D-0C2D-4F9B-BC83-A939F68ECF5D}"/>
+                <a16:creationId xmlns:a16="http://schemas.microsoft.com/office/drawing/2014/main" id="{143DBA6D-0C2D-4F9B-BC83-A939F68ECF5D}"/>
               </a:ext>
             </a:extLst>
           </p:cNvPr>
@@ -1615,7 +1615,7 @@
           <p:cNvPr id="4" name="Content Placeholder 3">
             <a:extLst>
               <a:ext uri="{FF2B5EF4-FFF2-40B4-BE49-F238E27FC236}">
-                <a16:creationId xmlns:a16="http://schemas.microsoft.com/office/drawing/2014/main" xmlns="" id="{932976D6-FE23-4A94-AC92-09D1D6BEFA72}"/>
+                <a16:creationId xmlns:a16="http://schemas.microsoft.com/office/drawing/2014/main" id="{932976D6-FE23-4A94-AC92-09D1D6BEFA72}"/>
               </a:ext>
             </a:extLst>
           </p:cNvPr>
@@ -1678,7 +1678,7 @@
           <p:cNvPr id="5" name="Text Placeholder 4">
             <a:extLst>
               <a:ext uri="{FF2B5EF4-FFF2-40B4-BE49-F238E27FC236}">
-                <a16:creationId xmlns:a16="http://schemas.microsoft.com/office/drawing/2014/main" xmlns="" id="{52EED9BD-EEEA-41B1-9A88-E42DFE586010}"/>
+                <a16:creationId xmlns:a16="http://schemas.microsoft.com/office/drawing/2014/main" id="{52EED9BD-EEEA-41B1-9A88-E42DFE586010}"/>
               </a:ext>
             </a:extLst>
           </p:cNvPr>
@@ -1749,7 +1749,7 @@
           <p:cNvPr id="6" name="Content Placeholder 5">
             <a:extLst>
               <a:ext uri="{FF2B5EF4-FFF2-40B4-BE49-F238E27FC236}">
-                <a16:creationId xmlns:a16="http://schemas.microsoft.com/office/drawing/2014/main" xmlns="" id="{CA3B04F6-626E-4941-BD28-E90280F77832}"/>
+                <a16:creationId xmlns:a16="http://schemas.microsoft.com/office/drawing/2014/main" id="{CA3B04F6-626E-4941-BD28-E90280F77832}"/>
               </a:ext>
             </a:extLst>
           </p:cNvPr>
@@ -1812,7 +1812,7 @@
           <p:cNvPr id="7" name="Date Placeholder 6">
             <a:extLst>
               <a:ext uri="{FF2B5EF4-FFF2-40B4-BE49-F238E27FC236}">
-                <a16:creationId xmlns:a16="http://schemas.microsoft.com/office/drawing/2014/main" xmlns="" id="{7458D609-5C95-4C44-AA2E-3FAA7249D4B8}"/>
+                <a16:creationId xmlns:a16="http://schemas.microsoft.com/office/drawing/2014/main" id="{7458D609-5C95-4C44-AA2E-3FAA7249D4B8}"/>
               </a:ext>
             </a:extLst>
           </p:cNvPr>
@@ -1830,7 +1830,7 @@
           <a:p>
             <a:fld id="{AFD473D3-2E54-4CEE-9396-265A30183089}" type="datetimeFigureOut">
               <a:rPr lang="nl-NL" smtClean="0"/>
-              <a:t>10-3-2021</a:t>
+              <a:t>11-3-2021</a:t>
             </a:fld>
             <a:endParaRPr lang="nl-NL"/>
           </a:p>
@@ -1841,7 +1841,7 @@
           <p:cNvPr id="8" name="Footer Placeholder 7">
             <a:extLst>
               <a:ext uri="{FF2B5EF4-FFF2-40B4-BE49-F238E27FC236}">
-                <a16:creationId xmlns:a16="http://schemas.microsoft.com/office/drawing/2014/main" xmlns="" id="{38443D8F-1E62-4AD5-866D-DB004E718DD0}"/>
+                <a16:creationId xmlns:a16="http://schemas.microsoft.com/office/drawing/2014/main" id="{38443D8F-1E62-4AD5-866D-DB004E718DD0}"/>
               </a:ext>
             </a:extLst>
           </p:cNvPr>
@@ -1866,7 +1866,7 @@
           <p:cNvPr id="9" name="Slide Number Placeholder 8">
             <a:extLst>
               <a:ext uri="{FF2B5EF4-FFF2-40B4-BE49-F238E27FC236}">
-                <a16:creationId xmlns:a16="http://schemas.microsoft.com/office/drawing/2014/main" xmlns="" id="{68E08040-BF63-43AC-B0F1-954EE9053329}"/>
+                <a16:creationId xmlns:a16="http://schemas.microsoft.com/office/drawing/2014/main" id="{68E08040-BF63-43AC-B0F1-954EE9053329}"/>
               </a:ext>
             </a:extLst>
           </p:cNvPr>
@@ -1925,7 +1925,7 @@
           <p:cNvPr id="2" name="Title 1">
             <a:extLst>
               <a:ext uri="{FF2B5EF4-FFF2-40B4-BE49-F238E27FC236}">
-                <a16:creationId xmlns:a16="http://schemas.microsoft.com/office/drawing/2014/main" xmlns="" id="{459A93AA-453C-45D1-A03B-11AC60ADBC52}"/>
+                <a16:creationId xmlns:a16="http://schemas.microsoft.com/office/drawing/2014/main" id="{459A93AA-453C-45D1-A03B-11AC60ADBC52}"/>
               </a:ext>
             </a:extLst>
           </p:cNvPr>
@@ -1954,7 +1954,7 @@
           <p:cNvPr id="3" name="Date Placeholder 2">
             <a:extLst>
               <a:ext uri="{FF2B5EF4-FFF2-40B4-BE49-F238E27FC236}">
-                <a16:creationId xmlns:a16="http://schemas.microsoft.com/office/drawing/2014/main" xmlns="" id="{44C9EFF1-C831-4976-B95C-FE926FA2248B}"/>
+                <a16:creationId xmlns:a16="http://schemas.microsoft.com/office/drawing/2014/main" id="{44C9EFF1-C831-4976-B95C-FE926FA2248B}"/>
               </a:ext>
             </a:extLst>
           </p:cNvPr>
@@ -1972,7 +1972,7 @@
           <a:p>
             <a:fld id="{AFD473D3-2E54-4CEE-9396-265A30183089}" type="datetimeFigureOut">
               <a:rPr lang="nl-NL" smtClean="0"/>
-              <a:t>10-3-2021</a:t>
+              <a:t>11-3-2021</a:t>
             </a:fld>
             <a:endParaRPr lang="nl-NL"/>
           </a:p>
@@ -1983,7 +1983,7 @@
           <p:cNvPr id="4" name="Footer Placeholder 3">
             <a:extLst>
               <a:ext uri="{FF2B5EF4-FFF2-40B4-BE49-F238E27FC236}">
-                <a16:creationId xmlns:a16="http://schemas.microsoft.com/office/drawing/2014/main" xmlns="" id="{4979AB4B-4743-442F-8D43-678CB62EC2E3}"/>
+                <a16:creationId xmlns:a16="http://schemas.microsoft.com/office/drawing/2014/main" id="{4979AB4B-4743-442F-8D43-678CB62EC2E3}"/>
               </a:ext>
             </a:extLst>
           </p:cNvPr>
@@ -2008,7 +2008,7 @@
           <p:cNvPr id="5" name="Slide Number Placeholder 4">
             <a:extLst>
               <a:ext uri="{FF2B5EF4-FFF2-40B4-BE49-F238E27FC236}">
-                <a16:creationId xmlns:a16="http://schemas.microsoft.com/office/drawing/2014/main" xmlns="" id="{30AE44F2-FC20-4AB0-A5A7-412AEF2D6A60}"/>
+                <a16:creationId xmlns:a16="http://schemas.microsoft.com/office/drawing/2014/main" id="{30AE44F2-FC20-4AB0-A5A7-412AEF2D6A60}"/>
               </a:ext>
             </a:extLst>
           </p:cNvPr>
@@ -2067,7 +2067,7 @@
           <p:cNvPr id="2" name="Date Placeholder 1">
             <a:extLst>
               <a:ext uri="{FF2B5EF4-FFF2-40B4-BE49-F238E27FC236}">
-                <a16:creationId xmlns:a16="http://schemas.microsoft.com/office/drawing/2014/main" xmlns="" id="{F195FE8B-3F9E-4D71-8350-944F87D8AB9E}"/>
+                <a16:creationId xmlns:a16="http://schemas.microsoft.com/office/drawing/2014/main" id="{F195FE8B-3F9E-4D71-8350-944F87D8AB9E}"/>
               </a:ext>
             </a:extLst>
           </p:cNvPr>
@@ -2085,7 +2085,7 @@
           <a:p>
             <a:fld id="{AFD473D3-2E54-4CEE-9396-265A30183089}" type="datetimeFigureOut">
               <a:rPr lang="nl-NL" smtClean="0"/>
-              <a:t>10-3-2021</a:t>
+              <a:t>11-3-2021</a:t>
             </a:fld>
             <a:endParaRPr lang="nl-NL"/>
           </a:p>
@@ -2096,7 +2096,7 @@
           <p:cNvPr id="3" name="Footer Placeholder 2">
             <a:extLst>
               <a:ext uri="{FF2B5EF4-FFF2-40B4-BE49-F238E27FC236}">
-                <a16:creationId xmlns:a16="http://schemas.microsoft.com/office/drawing/2014/main" xmlns="" id="{85D87ED3-33F4-47FE-A59D-71CC312DBFD8}"/>
+                <a16:creationId xmlns:a16="http://schemas.microsoft.com/office/drawing/2014/main" id="{85D87ED3-33F4-47FE-A59D-71CC312DBFD8}"/>
               </a:ext>
             </a:extLst>
           </p:cNvPr>
@@ -2121,7 +2121,7 @@
           <p:cNvPr id="4" name="Slide Number Placeholder 3">
             <a:extLst>
               <a:ext uri="{FF2B5EF4-FFF2-40B4-BE49-F238E27FC236}">
-                <a16:creationId xmlns:a16="http://schemas.microsoft.com/office/drawing/2014/main" xmlns="" id="{C2B24C30-3A87-4F99-97EB-A00A0170C403}"/>
+                <a16:creationId xmlns:a16="http://schemas.microsoft.com/office/drawing/2014/main" id="{C2B24C30-3A87-4F99-97EB-A00A0170C403}"/>
               </a:ext>
             </a:extLst>
           </p:cNvPr>
@@ -2180,7 +2180,7 @@
           <p:cNvPr id="2" name="Title 1">
             <a:extLst>
               <a:ext uri="{FF2B5EF4-FFF2-40B4-BE49-F238E27FC236}">
-                <a16:creationId xmlns:a16="http://schemas.microsoft.com/office/drawing/2014/main" xmlns="" id="{1C21450C-B9BD-40FB-8BCF-CB092B1BE7BC}"/>
+                <a16:creationId xmlns:a16="http://schemas.microsoft.com/office/drawing/2014/main" id="{1C21450C-B9BD-40FB-8BCF-CB092B1BE7BC}"/>
               </a:ext>
             </a:extLst>
           </p:cNvPr>
@@ -2218,7 +2218,7 @@
           <p:cNvPr id="3" name="Content Placeholder 2">
             <a:extLst>
               <a:ext uri="{FF2B5EF4-FFF2-40B4-BE49-F238E27FC236}">
-                <a16:creationId xmlns:a16="http://schemas.microsoft.com/office/drawing/2014/main" xmlns="" id="{F537746E-746F-48A8-9AF4-7C11E09A9F10}"/>
+                <a16:creationId xmlns:a16="http://schemas.microsoft.com/office/drawing/2014/main" id="{F537746E-746F-48A8-9AF4-7C11E09A9F10}"/>
               </a:ext>
             </a:extLst>
           </p:cNvPr>
@@ -2309,7 +2309,7 @@
           <p:cNvPr id="4" name="Text Placeholder 3">
             <a:extLst>
               <a:ext uri="{FF2B5EF4-FFF2-40B4-BE49-F238E27FC236}">
-                <a16:creationId xmlns:a16="http://schemas.microsoft.com/office/drawing/2014/main" xmlns="" id="{A5B4AF2F-7908-452B-9BEB-B5658432D9EA}"/>
+                <a16:creationId xmlns:a16="http://schemas.microsoft.com/office/drawing/2014/main" id="{A5B4AF2F-7908-452B-9BEB-B5658432D9EA}"/>
               </a:ext>
             </a:extLst>
           </p:cNvPr>
@@ -2380,7 +2380,7 @@
           <p:cNvPr id="5" name="Date Placeholder 4">
             <a:extLst>
               <a:ext uri="{FF2B5EF4-FFF2-40B4-BE49-F238E27FC236}">
-                <a16:creationId xmlns:a16="http://schemas.microsoft.com/office/drawing/2014/main" xmlns="" id="{EF630620-0C61-4BCD-81B1-490802B28975}"/>
+                <a16:creationId xmlns:a16="http://schemas.microsoft.com/office/drawing/2014/main" id="{EF630620-0C61-4BCD-81B1-490802B28975}"/>
               </a:ext>
             </a:extLst>
           </p:cNvPr>
@@ -2398,7 +2398,7 @@
           <a:p>
             <a:fld id="{AFD473D3-2E54-4CEE-9396-265A30183089}" type="datetimeFigureOut">
               <a:rPr lang="nl-NL" smtClean="0"/>
-              <a:t>10-3-2021</a:t>
+              <a:t>11-3-2021</a:t>
             </a:fld>
             <a:endParaRPr lang="nl-NL"/>
           </a:p>
@@ -2409,7 +2409,7 @@
           <p:cNvPr id="6" name="Footer Placeholder 5">
             <a:extLst>
               <a:ext uri="{FF2B5EF4-FFF2-40B4-BE49-F238E27FC236}">
-                <a16:creationId xmlns:a16="http://schemas.microsoft.com/office/drawing/2014/main" xmlns="" id="{2A6C92C6-A25C-43B2-86A5-8454E329E274}"/>
+                <a16:creationId xmlns:a16="http://schemas.microsoft.com/office/drawing/2014/main" id="{2A6C92C6-A25C-43B2-86A5-8454E329E274}"/>
               </a:ext>
             </a:extLst>
           </p:cNvPr>
@@ -2434,7 +2434,7 @@
           <p:cNvPr id="7" name="Slide Number Placeholder 6">
             <a:extLst>
               <a:ext uri="{FF2B5EF4-FFF2-40B4-BE49-F238E27FC236}">
-                <a16:creationId xmlns:a16="http://schemas.microsoft.com/office/drawing/2014/main" xmlns="" id="{99E6BF99-7BAC-4F66-8FD7-C952F2D94CCD}"/>
+                <a16:creationId xmlns:a16="http://schemas.microsoft.com/office/drawing/2014/main" id="{99E6BF99-7BAC-4F66-8FD7-C952F2D94CCD}"/>
               </a:ext>
             </a:extLst>
           </p:cNvPr>
@@ -2493,7 +2493,7 @@
           <p:cNvPr id="2" name="Title 1">
             <a:extLst>
               <a:ext uri="{FF2B5EF4-FFF2-40B4-BE49-F238E27FC236}">
-                <a16:creationId xmlns:a16="http://schemas.microsoft.com/office/drawing/2014/main" xmlns="" id="{1B42E050-B675-4003-8986-2D4F07CA0A57}"/>
+                <a16:creationId xmlns:a16="http://schemas.microsoft.com/office/drawing/2014/main" id="{1B42E050-B675-4003-8986-2D4F07CA0A57}"/>
               </a:ext>
             </a:extLst>
           </p:cNvPr>
@@ -2531,7 +2531,7 @@
           <p:cNvPr id="3" name="Picture Placeholder 2">
             <a:extLst>
               <a:ext uri="{FF2B5EF4-FFF2-40B4-BE49-F238E27FC236}">
-                <a16:creationId xmlns:a16="http://schemas.microsoft.com/office/drawing/2014/main" xmlns="" id="{B2D8F5D4-C274-4313-B2C9-F2EA829D7218}"/>
+                <a16:creationId xmlns:a16="http://schemas.microsoft.com/office/drawing/2014/main" id="{B2D8F5D4-C274-4313-B2C9-F2EA829D7218}"/>
               </a:ext>
             </a:extLst>
           </p:cNvPr>
@@ -2598,7 +2598,7 @@
           <p:cNvPr id="4" name="Text Placeholder 3">
             <a:extLst>
               <a:ext uri="{FF2B5EF4-FFF2-40B4-BE49-F238E27FC236}">
-                <a16:creationId xmlns:a16="http://schemas.microsoft.com/office/drawing/2014/main" xmlns="" id="{6E5D5B43-6154-4B62-A849-0977D0408FE4}"/>
+                <a16:creationId xmlns:a16="http://schemas.microsoft.com/office/drawing/2014/main" id="{6E5D5B43-6154-4B62-A849-0977D0408FE4}"/>
               </a:ext>
             </a:extLst>
           </p:cNvPr>
@@ -2669,7 +2669,7 @@
           <p:cNvPr id="5" name="Date Placeholder 4">
             <a:extLst>
               <a:ext uri="{FF2B5EF4-FFF2-40B4-BE49-F238E27FC236}">
-                <a16:creationId xmlns:a16="http://schemas.microsoft.com/office/drawing/2014/main" xmlns="" id="{79231FC6-56E7-42E6-9108-E7F2596EFABB}"/>
+                <a16:creationId xmlns:a16="http://schemas.microsoft.com/office/drawing/2014/main" id="{79231FC6-56E7-42E6-9108-E7F2596EFABB}"/>
               </a:ext>
             </a:extLst>
           </p:cNvPr>
@@ -2687,7 +2687,7 @@
           <a:p>
             <a:fld id="{AFD473D3-2E54-4CEE-9396-265A30183089}" type="datetimeFigureOut">
               <a:rPr lang="nl-NL" smtClean="0"/>
-              <a:t>10-3-2021</a:t>
+              <a:t>11-3-2021</a:t>
             </a:fld>
             <a:endParaRPr lang="nl-NL"/>
           </a:p>
@@ -2698,7 +2698,7 @@
           <p:cNvPr id="6" name="Footer Placeholder 5">
             <a:extLst>
               <a:ext uri="{FF2B5EF4-FFF2-40B4-BE49-F238E27FC236}">
-                <a16:creationId xmlns:a16="http://schemas.microsoft.com/office/drawing/2014/main" xmlns="" id="{D2B0AC82-F30E-4293-BEC9-27CA21B9E829}"/>
+                <a16:creationId xmlns:a16="http://schemas.microsoft.com/office/drawing/2014/main" id="{D2B0AC82-F30E-4293-BEC9-27CA21B9E829}"/>
               </a:ext>
             </a:extLst>
           </p:cNvPr>
@@ -2723,7 +2723,7 @@
           <p:cNvPr id="7" name="Slide Number Placeholder 6">
             <a:extLst>
               <a:ext uri="{FF2B5EF4-FFF2-40B4-BE49-F238E27FC236}">
-                <a16:creationId xmlns:a16="http://schemas.microsoft.com/office/drawing/2014/main" xmlns="" id="{AE63AB45-9CF7-46D7-8400-B64CFFCE2F6C}"/>
+                <a16:creationId xmlns:a16="http://schemas.microsoft.com/office/drawing/2014/main" id="{AE63AB45-9CF7-46D7-8400-B64CFFCE2F6C}"/>
               </a:ext>
             </a:extLst>
           </p:cNvPr>
@@ -2787,7 +2787,7 @@
           <p:cNvPr id="2" name="Title Placeholder 1">
             <a:extLst>
               <a:ext uri="{FF2B5EF4-FFF2-40B4-BE49-F238E27FC236}">
-                <a16:creationId xmlns:a16="http://schemas.microsoft.com/office/drawing/2014/main" xmlns="" id="{30336C84-7665-4530-962D-15E922FE0321}"/>
+                <a16:creationId xmlns:a16="http://schemas.microsoft.com/office/drawing/2014/main" id="{30336C84-7665-4530-962D-15E922FE0321}"/>
               </a:ext>
             </a:extLst>
           </p:cNvPr>
@@ -2826,7 +2826,7 @@
           <p:cNvPr id="3" name="Text Placeholder 2">
             <a:extLst>
               <a:ext uri="{FF2B5EF4-FFF2-40B4-BE49-F238E27FC236}">
-                <a16:creationId xmlns:a16="http://schemas.microsoft.com/office/drawing/2014/main" xmlns="" id="{5BFFB622-5EDD-42C1-824A-A4C430439EA1}"/>
+                <a16:creationId xmlns:a16="http://schemas.microsoft.com/office/drawing/2014/main" id="{5BFFB622-5EDD-42C1-824A-A4C430439EA1}"/>
               </a:ext>
             </a:extLst>
           </p:cNvPr>
@@ -2894,7 +2894,7 @@
           <p:cNvPr id="4" name="Date Placeholder 3">
             <a:extLst>
               <a:ext uri="{FF2B5EF4-FFF2-40B4-BE49-F238E27FC236}">
-                <a16:creationId xmlns:a16="http://schemas.microsoft.com/office/drawing/2014/main" xmlns="" id="{5F4C3340-AB5D-4FDB-BE99-930D8F73A4C5}"/>
+                <a16:creationId xmlns:a16="http://schemas.microsoft.com/office/drawing/2014/main" id="{5F4C3340-AB5D-4FDB-BE99-930D8F73A4C5}"/>
               </a:ext>
             </a:extLst>
           </p:cNvPr>
@@ -2930,7 +2930,7 @@
           <a:p>
             <a:fld id="{AFD473D3-2E54-4CEE-9396-265A30183089}" type="datetimeFigureOut">
               <a:rPr lang="nl-NL" smtClean="0"/>
-              <a:t>10-3-2021</a:t>
+              <a:t>11-3-2021</a:t>
             </a:fld>
             <a:endParaRPr lang="nl-NL"/>
           </a:p>
@@ -2941,7 +2941,7 @@
           <p:cNvPr id="5" name="Footer Placeholder 4">
             <a:extLst>
               <a:ext uri="{FF2B5EF4-FFF2-40B4-BE49-F238E27FC236}">
-                <a16:creationId xmlns:a16="http://schemas.microsoft.com/office/drawing/2014/main" xmlns="" id="{8E54A275-389B-4C01-B225-24E204E6F8B5}"/>
+                <a16:creationId xmlns:a16="http://schemas.microsoft.com/office/drawing/2014/main" id="{8E54A275-389B-4C01-B225-24E204E6F8B5}"/>
               </a:ext>
             </a:extLst>
           </p:cNvPr>
@@ -2984,7 +2984,7 @@
           <p:cNvPr id="6" name="Slide Number Placeholder 5">
             <a:extLst>
               <a:ext uri="{FF2B5EF4-FFF2-40B4-BE49-F238E27FC236}">
-                <a16:creationId xmlns:a16="http://schemas.microsoft.com/office/drawing/2014/main" xmlns="" id="{F065F1B9-6DCF-48A4-B232-DA34BC4176C5}"/>
+                <a16:creationId xmlns:a16="http://schemas.microsoft.com/office/drawing/2014/main" id="{F065F1B9-6DCF-48A4-B232-DA34BC4176C5}"/>
               </a:ext>
             </a:extLst>
           </p:cNvPr>
@@ -3352,7 +3352,7 @@
           <p:cNvPr id="4" name="Rectangle 3">
             <a:extLst>
               <a:ext uri="{FF2B5EF4-FFF2-40B4-BE49-F238E27FC236}">
-                <a16:creationId xmlns:a16="http://schemas.microsoft.com/office/drawing/2014/main" xmlns="" id="{7B097C35-DBF7-4E92-A2FF-81C524D5E5D8}"/>
+                <a16:creationId xmlns:a16="http://schemas.microsoft.com/office/drawing/2014/main" id="{7B097C35-DBF7-4E92-A2FF-81C524D5E5D8}"/>
               </a:ext>
             </a:extLst>
           </p:cNvPr>
@@ -3402,7 +3402,7 @@
           </a:p>
           <a:p>
             <a:r>
-              <a:rPr lang="en-US" sz="800" dirty="0" smtClean="0">
+              <a:rPr lang="en-US" sz="800" dirty="0">
                 <a:solidFill>
                   <a:schemeClr val="bg1"/>
                 </a:solidFill>
@@ -3419,32 +3419,8 @@
                 </a:solidFill>
                 <a:latin typeface="Arial Black" panose="020B0A04020102020204" pitchFamily="34" charset="0"/>
               </a:rPr>
-              <a:t> </a:t>
-            </a:r>
-            <a:r>
-              <a:rPr lang="en-US" sz="800" dirty="0" smtClean="0">
-                <a:solidFill>
-                  <a:schemeClr val="bg1"/>
-                </a:solidFill>
-                <a:latin typeface="Arial Black" panose="020B0A04020102020204" pitchFamily="34" charset="0"/>
-              </a:rPr>
-              <a:t>   </a:t>
-            </a:r>
-            <a:r>
-              <a:rPr lang="en-US" sz="800" dirty="0" smtClean="0">
-                <a:solidFill>
-                  <a:schemeClr val="bg1"/>
-                </a:solidFill>
-                <a:latin typeface="Arial Black" panose="020B0A04020102020204" pitchFamily="34" charset="0"/>
-              </a:rPr>
-              <a:t>Learning</a:t>
-            </a:r>
-            <a:endParaRPr lang="en-US" sz="800" dirty="0">
-              <a:solidFill>
-                <a:schemeClr val="bg1"/>
-              </a:solidFill>
-              <a:latin typeface="Arial Black" panose="020B0A04020102020204" pitchFamily="34" charset="0"/>
-            </a:endParaRPr>
+              <a:t>    Learning</a:t>
+            </a:r>
           </a:p>
           <a:p>
             <a:r>
@@ -3556,7 +3532,7 @@
           <p:cNvPr id="5" name="Rectangle 4">
             <a:extLst>
               <a:ext uri="{FF2B5EF4-FFF2-40B4-BE49-F238E27FC236}">
-                <a16:creationId xmlns:a16="http://schemas.microsoft.com/office/drawing/2014/main" xmlns="" id="{2DEC08F4-E14E-493E-BCD7-2484346D3512}"/>
+                <a16:creationId xmlns:a16="http://schemas.microsoft.com/office/drawing/2014/main" id="{2DEC08F4-E14E-493E-BCD7-2484346D3512}"/>
               </a:ext>
             </a:extLst>
           </p:cNvPr>
@@ -3684,7 +3660,7 @@
           <p:cNvPr id="7" name="Rectangle 6">
             <a:extLst>
               <a:ext uri="{FF2B5EF4-FFF2-40B4-BE49-F238E27FC236}">
-                <a16:creationId xmlns:a16="http://schemas.microsoft.com/office/drawing/2014/main" xmlns="" id="{34DD9844-D460-4C99-BA3D-9CA7FA3300BC}"/>
+                <a16:creationId xmlns:a16="http://schemas.microsoft.com/office/drawing/2014/main" id="{34DD9844-D460-4C99-BA3D-9CA7FA3300BC}"/>
               </a:ext>
             </a:extLst>
           </p:cNvPr>
@@ -3740,7 +3716,7 @@
           <p:cNvPr id="8" name="Rectangle 7">
             <a:extLst>
               <a:ext uri="{FF2B5EF4-FFF2-40B4-BE49-F238E27FC236}">
-                <a16:creationId xmlns:a16="http://schemas.microsoft.com/office/drawing/2014/main" xmlns="" id="{B7B474C9-68EC-400F-8B0B-00A9F89BF114}"/>
+                <a16:creationId xmlns:a16="http://schemas.microsoft.com/office/drawing/2014/main" id="{B7B474C9-68EC-400F-8B0B-00A9F89BF114}"/>
               </a:ext>
             </a:extLst>
           </p:cNvPr>
@@ -3796,7 +3772,7 @@
           <p:cNvPr id="9" name="Rectangle 8">
             <a:extLst>
               <a:ext uri="{FF2B5EF4-FFF2-40B4-BE49-F238E27FC236}">
-                <a16:creationId xmlns:a16="http://schemas.microsoft.com/office/drawing/2014/main" xmlns="" id="{6FB1B098-A258-442E-B2F1-58A7161CA53B}"/>
+                <a16:creationId xmlns:a16="http://schemas.microsoft.com/office/drawing/2014/main" id="{6FB1B098-A258-442E-B2F1-58A7161CA53B}"/>
               </a:ext>
             </a:extLst>
           </p:cNvPr>
@@ -3806,7 +3782,7 @@
         <p:spPr>
           <a:xfrm>
             <a:off x="2649185" y="681530"/>
-            <a:ext cx="1512000" cy="1256528"/>
+            <a:ext cx="1422483" cy="1256528"/>
           </a:xfrm>
           <a:prstGeom prst="rect">
             <a:avLst/>
@@ -3835,12 +3811,9 @@
           <a:lstStyle/>
           <a:p>
             <a:r>
-              <a:rPr lang="en-US" sz="800" dirty="0" smtClean="0">
+              <a:rPr lang="en-US" sz="800" dirty="0">
                 <a:solidFill>
-                  <a:schemeClr val="tx1">
-                    <a:lumMod val="75000"/>
-                    <a:lumOff val="25000"/>
-                  </a:schemeClr>
+                  <a:srgbClr val="0070C0"/>
                 </a:solidFill>
                 <a:latin typeface="Arial Black" panose="020B0A04020102020204" pitchFamily="34" charset="0"/>
                 <a:cs typeface="Aharoni" panose="020B0604020202020204" pitchFamily="2" charset="-79"/>
@@ -3850,40 +3823,21 @@
           </a:p>
           <a:p>
             <a:r>
-              <a:rPr lang="en-US" sz="800" dirty="0" smtClean="0">
+              <a:rPr lang="en-US" sz="800" dirty="0">
                 <a:solidFill>
-                  <a:schemeClr val="tx1">
-                    <a:lumMod val="75000"/>
-                    <a:lumOff val="25000"/>
-                  </a:schemeClr>
+                  <a:srgbClr val="0070C0"/>
                 </a:solidFill>
                 <a:latin typeface="Arial Black" panose="020B0A04020102020204" pitchFamily="34" charset="0"/>
                 <a:cs typeface="Aharoni" panose="020B0604020202020204" pitchFamily="2" charset="-79"/>
               </a:rPr>
-              <a:t>Start </a:t>
-            </a:r>
+              <a:t>Start / Stop</a:t>
+            </a:r>
+          </a:p>
+          <a:p>
             <a:r>
               <a:rPr lang="en-US" sz="800" dirty="0">
                 <a:solidFill>
-                  <a:schemeClr val="tx1">
-                    <a:lumMod val="75000"/>
-                    <a:lumOff val="25000"/>
-                  </a:schemeClr>
-                </a:solidFill>
-                <a:latin typeface="Arial Black" panose="020B0A04020102020204" pitchFamily="34" charset="0"/>
-                <a:cs typeface="Aharoni" panose="020B0604020202020204" pitchFamily="2" charset="-79"/>
-              </a:rPr>
-              <a:t>/ Stop</a:t>
-            </a:r>
-          </a:p>
-          <a:p>
-            <a:r>
-              <a:rPr lang="en-US" sz="800" dirty="0">
-                <a:solidFill>
-                  <a:schemeClr val="tx1">
-                    <a:lumMod val="75000"/>
-                    <a:lumOff val="25000"/>
-                  </a:schemeClr>
+                  <a:srgbClr val="0070C0"/>
                 </a:solidFill>
                 <a:latin typeface="Arial Black" panose="020B0A04020102020204" pitchFamily="34" charset="0"/>
                 <a:cs typeface="Aharoni" panose="020B0604020202020204" pitchFamily="2" charset="-79"/>
@@ -3895,10 +3849,7 @@
             <a:r>
               <a:rPr lang="en-US" sz="800" dirty="0">
                 <a:solidFill>
-                  <a:schemeClr val="tx1">
-                    <a:lumMod val="75000"/>
-                    <a:lumOff val="25000"/>
-                  </a:schemeClr>
+                  <a:srgbClr val="0070C0"/>
                 </a:solidFill>
                 <a:latin typeface="Arial Black" panose="020B0A04020102020204" pitchFamily="34" charset="0"/>
                 <a:cs typeface="Aharoni" panose="020B0604020202020204" pitchFamily="2" charset="-79"/>
@@ -3910,10 +3861,7 @@
             <a:r>
               <a:rPr lang="en-US" sz="800" dirty="0">
                 <a:solidFill>
-                  <a:schemeClr val="tx1">
-                    <a:lumMod val="75000"/>
-                    <a:lumOff val="25000"/>
-                  </a:schemeClr>
+                  <a:srgbClr val="0070C0"/>
                 </a:solidFill>
                 <a:latin typeface="Arial Black" panose="020B0A04020102020204" pitchFamily="34" charset="0"/>
                 <a:cs typeface="Aharoni" panose="020B0604020202020204" pitchFamily="2" charset="-79"/>
@@ -3925,10 +3873,7 @@
             <a:r>
               <a:rPr lang="en-US" sz="800" dirty="0">
                 <a:solidFill>
-                  <a:schemeClr val="tx1">
-                    <a:lumMod val="75000"/>
-                    <a:lumOff val="25000"/>
-                  </a:schemeClr>
+                  <a:srgbClr val="0070C0"/>
                 </a:solidFill>
                 <a:latin typeface="Arial Black" panose="020B0A04020102020204" pitchFamily="34" charset="0"/>
                 <a:cs typeface="Aharoni" panose="020B0604020202020204" pitchFamily="2" charset="-79"/>
@@ -3940,10 +3885,7 @@
             <a:r>
               <a:rPr lang="en-US" sz="800" dirty="0">
                 <a:solidFill>
-                  <a:schemeClr val="tx1">
-                    <a:lumMod val="75000"/>
-                    <a:lumOff val="25000"/>
-                  </a:schemeClr>
+                  <a:srgbClr val="0070C0"/>
                 </a:solidFill>
                 <a:latin typeface="Arial Black" panose="020B0A04020102020204" pitchFamily="34" charset="0"/>
                 <a:cs typeface="Aharoni" panose="020B0604020202020204" pitchFamily="2" charset="-79"/>
@@ -3955,10 +3897,7 @@
             <a:r>
               <a:rPr lang="en-US" sz="800" dirty="0">
                 <a:solidFill>
-                  <a:schemeClr val="tx1">
-                    <a:lumMod val="75000"/>
-                    <a:lumOff val="25000"/>
-                  </a:schemeClr>
+                  <a:srgbClr val="0070C0"/>
                 </a:solidFill>
                 <a:latin typeface="Arial Black" panose="020B0A04020102020204" pitchFamily="34" charset="0"/>
                 <a:cs typeface="Aharoni" panose="020B0604020202020204" pitchFamily="2" charset="-79"/>
@@ -3970,10 +3909,7 @@
             <a:r>
               <a:rPr lang="en-US" sz="800" dirty="0">
                 <a:solidFill>
-                  <a:schemeClr val="tx1">
-                    <a:lumMod val="75000"/>
-                    <a:lumOff val="25000"/>
-                  </a:schemeClr>
+                  <a:srgbClr val="0070C0"/>
                 </a:solidFill>
                 <a:latin typeface="Arial Black" panose="020B0A04020102020204" pitchFamily="34" charset="0"/>
                 <a:cs typeface="Aharoni" panose="020B0604020202020204" pitchFamily="2" charset="-79"/>
@@ -3985,10 +3921,7 @@
             <a:r>
               <a:rPr lang="en-US" sz="800" dirty="0">
                 <a:solidFill>
-                  <a:schemeClr val="tx1">
-                    <a:lumMod val="75000"/>
-                    <a:lumOff val="25000"/>
-                  </a:schemeClr>
+                  <a:srgbClr val="0070C0"/>
                 </a:solidFill>
                 <a:latin typeface="Arial Black" panose="020B0A04020102020204" pitchFamily="34" charset="0"/>
                 <a:cs typeface="Aharoni" panose="020B0604020202020204" pitchFamily="2" charset="-79"/>
@@ -4003,7 +3936,7 @@
           <p:cNvPr id="13" name="Straight Connector 12">
             <a:extLst>
               <a:ext uri="{FF2B5EF4-FFF2-40B4-BE49-F238E27FC236}">
-                <a16:creationId xmlns:a16="http://schemas.microsoft.com/office/drawing/2014/main" xmlns="" id="{3BC96201-AA95-4D0D-9FD1-AF107AF3D340}"/>
+                <a16:creationId xmlns:a16="http://schemas.microsoft.com/office/drawing/2014/main" id="{3BC96201-AA95-4D0D-9FD1-AF107AF3D340}"/>
               </a:ext>
             </a:extLst>
           </p:cNvPr>
@@ -4020,10 +3953,7 @@
           </a:prstGeom>
           <a:ln w="12700">
             <a:solidFill>
-              <a:schemeClr val="tx1">
-                <a:lumMod val="75000"/>
-                <a:lumOff val="25000"/>
-              </a:schemeClr>
+              <a:schemeClr val="accent1"/>
             </a:solidFill>
             <a:prstDash val="sysDot"/>
           </a:ln>
@@ -4048,7 +3978,7 @@
           <p:cNvPr id="14" name="Straight Connector 13">
             <a:extLst>
               <a:ext uri="{FF2B5EF4-FFF2-40B4-BE49-F238E27FC236}">
-                <a16:creationId xmlns:a16="http://schemas.microsoft.com/office/drawing/2014/main" xmlns="" id="{1AFAB553-3B1B-43DE-B7ED-43BD9C548651}"/>
+                <a16:creationId xmlns:a16="http://schemas.microsoft.com/office/drawing/2014/main" id="{1AFAB553-3B1B-43DE-B7ED-43BD9C548651}"/>
               </a:ext>
             </a:extLst>
           </p:cNvPr>
@@ -4065,10 +3995,7 @@
           </a:prstGeom>
           <a:ln w="12700">
             <a:solidFill>
-              <a:schemeClr val="tx1">
-                <a:lumMod val="75000"/>
-                <a:lumOff val="25000"/>
-              </a:schemeClr>
+              <a:schemeClr val="accent1"/>
             </a:solidFill>
             <a:prstDash val="sysDot"/>
           </a:ln>
@@ -4093,7 +4020,7 @@
           <p:cNvPr id="15" name="Straight Connector 14">
             <a:extLst>
               <a:ext uri="{FF2B5EF4-FFF2-40B4-BE49-F238E27FC236}">
-                <a16:creationId xmlns:a16="http://schemas.microsoft.com/office/drawing/2014/main" xmlns="" id="{5CE3FFB6-5E81-4E01-B5B0-1FFED3EA7CD3}"/>
+                <a16:creationId xmlns:a16="http://schemas.microsoft.com/office/drawing/2014/main" id="{5CE3FFB6-5E81-4E01-B5B0-1FFED3EA7CD3}"/>
               </a:ext>
             </a:extLst>
           </p:cNvPr>
@@ -4110,10 +4037,7 @@
           </a:prstGeom>
           <a:ln w="12700">
             <a:solidFill>
-              <a:schemeClr val="tx1">
-                <a:lumMod val="75000"/>
-                <a:lumOff val="25000"/>
-              </a:schemeClr>
+              <a:schemeClr val="accent1"/>
             </a:solidFill>
             <a:prstDash val="sysDot"/>
           </a:ln>
@@ -4138,7 +4062,7 @@
           <p:cNvPr id="19" name="Straight Connector 18">
             <a:extLst>
               <a:ext uri="{FF2B5EF4-FFF2-40B4-BE49-F238E27FC236}">
-                <a16:creationId xmlns:a16="http://schemas.microsoft.com/office/drawing/2014/main" xmlns="" id="{28BC5546-0391-43B3-B7F2-DD25EEB4A2A9}"/>
+                <a16:creationId xmlns:a16="http://schemas.microsoft.com/office/drawing/2014/main" id="{28BC5546-0391-43B3-B7F2-DD25EEB4A2A9}"/>
               </a:ext>
             </a:extLst>
           </p:cNvPr>
@@ -4155,10 +4079,7 @@
           </a:prstGeom>
           <a:ln w="12700">
             <a:solidFill>
-              <a:schemeClr val="tx1">
-                <a:lumMod val="75000"/>
-                <a:lumOff val="25000"/>
-              </a:schemeClr>
+              <a:schemeClr val="accent1"/>
             </a:solidFill>
             <a:prstDash val="sysDot"/>
           </a:ln>
@@ -4183,7 +4104,7 @@
           <p:cNvPr id="20" name="Straight Connector 19">
             <a:extLst>
               <a:ext uri="{FF2B5EF4-FFF2-40B4-BE49-F238E27FC236}">
-                <a16:creationId xmlns:a16="http://schemas.microsoft.com/office/drawing/2014/main" xmlns="" id="{C94F907C-0B67-4B83-A741-682D1C475ABE}"/>
+                <a16:creationId xmlns:a16="http://schemas.microsoft.com/office/drawing/2014/main" id="{C94F907C-0B67-4B83-A741-682D1C475ABE}"/>
               </a:ext>
             </a:extLst>
           </p:cNvPr>
@@ -4200,10 +4121,7 @@
           </a:prstGeom>
           <a:ln w="12700">
             <a:solidFill>
-              <a:schemeClr val="tx1">
-                <a:lumMod val="75000"/>
-                <a:lumOff val="25000"/>
-              </a:schemeClr>
+              <a:schemeClr val="accent1"/>
             </a:solidFill>
             <a:prstDash val="sysDot"/>
           </a:ln>
@@ -4228,7 +4146,7 @@
           <p:cNvPr id="21" name="Straight Connector 20">
             <a:extLst>
               <a:ext uri="{FF2B5EF4-FFF2-40B4-BE49-F238E27FC236}">
-                <a16:creationId xmlns:a16="http://schemas.microsoft.com/office/drawing/2014/main" xmlns="" id="{F5B5418E-9F2A-4666-B2E6-F698DFAE119D}"/>
+                <a16:creationId xmlns:a16="http://schemas.microsoft.com/office/drawing/2014/main" id="{F5B5418E-9F2A-4666-B2E6-F698DFAE119D}"/>
               </a:ext>
             </a:extLst>
           </p:cNvPr>
@@ -4245,10 +4163,7 @@
           </a:prstGeom>
           <a:ln w="12700">
             <a:solidFill>
-              <a:schemeClr val="tx1">
-                <a:lumMod val="75000"/>
-                <a:lumOff val="25000"/>
-              </a:schemeClr>
+              <a:schemeClr val="accent1"/>
             </a:solidFill>
             <a:prstDash val="sysDot"/>
           </a:ln>
@@ -4273,7 +4188,7 @@
           <p:cNvPr id="23" name="Straight Connector 22">
             <a:extLst>
               <a:ext uri="{FF2B5EF4-FFF2-40B4-BE49-F238E27FC236}">
-                <a16:creationId xmlns:a16="http://schemas.microsoft.com/office/drawing/2014/main" xmlns="" id="{9D6558FE-AAF9-4BDE-BC13-655198FF670E}"/>
+                <a16:creationId xmlns:a16="http://schemas.microsoft.com/office/drawing/2014/main" id="{9D6558FE-AAF9-4BDE-BC13-655198FF670E}"/>
               </a:ext>
             </a:extLst>
           </p:cNvPr>
@@ -4290,10 +4205,7 @@
           </a:prstGeom>
           <a:ln w="12700">
             <a:solidFill>
-              <a:schemeClr val="tx1">
-                <a:lumMod val="75000"/>
-                <a:lumOff val="25000"/>
-              </a:schemeClr>
+              <a:schemeClr val="accent1"/>
             </a:solidFill>
             <a:prstDash val="sysDot"/>
           </a:ln>
@@ -4318,7 +4230,7 @@
           <p:cNvPr id="24" name="Straight Connector 23">
             <a:extLst>
               <a:ext uri="{FF2B5EF4-FFF2-40B4-BE49-F238E27FC236}">
-                <a16:creationId xmlns:a16="http://schemas.microsoft.com/office/drawing/2014/main" xmlns="" id="{A68BC55F-0EEC-43F6-A186-3CA5182C0751}"/>
+                <a16:creationId xmlns:a16="http://schemas.microsoft.com/office/drawing/2014/main" id="{A68BC55F-0EEC-43F6-A186-3CA5182C0751}"/>
               </a:ext>
             </a:extLst>
           </p:cNvPr>
@@ -4335,10 +4247,7 @@
           </a:prstGeom>
           <a:ln w="12700">
             <a:solidFill>
-              <a:schemeClr val="tx1">
-                <a:lumMod val="75000"/>
-                <a:lumOff val="25000"/>
-              </a:schemeClr>
+              <a:schemeClr val="accent1"/>
             </a:solidFill>
             <a:prstDash val="sysDot"/>
           </a:ln>
@@ -4363,7 +4272,7 @@
           <p:cNvPr id="25" name="Straight Connector 24">
             <a:extLst>
               <a:ext uri="{FF2B5EF4-FFF2-40B4-BE49-F238E27FC236}">
-                <a16:creationId xmlns:a16="http://schemas.microsoft.com/office/drawing/2014/main" xmlns="" id="{92572E86-AAB9-4DE8-8899-4F850B973E7F}"/>
+                <a16:creationId xmlns:a16="http://schemas.microsoft.com/office/drawing/2014/main" id="{92572E86-AAB9-4DE8-8899-4F850B973E7F}"/>
               </a:ext>
             </a:extLst>
           </p:cNvPr>
@@ -4380,10 +4289,7 @@
           </a:prstGeom>
           <a:ln w="12700">
             <a:solidFill>
-              <a:schemeClr val="tx1">
-                <a:lumMod val="75000"/>
-                <a:lumOff val="25000"/>
-              </a:schemeClr>
+              <a:schemeClr val="accent1"/>
             </a:solidFill>
             <a:prstDash val="sysDot"/>
           </a:ln>
@@ -4408,7 +4314,7 @@
           <p:cNvPr id="26" name="Straight Connector 25">
             <a:extLst>
               <a:ext uri="{FF2B5EF4-FFF2-40B4-BE49-F238E27FC236}">
-                <a16:creationId xmlns:a16="http://schemas.microsoft.com/office/drawing/2014/main" xmlns="" id="{19A6853C-4521-475E-9DA4-383E2ECC1FD9}"/>
+                <a16:creationId xmlns:a16="http://schemas.microsoft.com/office/drawing/2014/main" id="{19A6853C-4521-475E-9DA4-383E2ECC1FD9}"/>
               </a:ext>
             </a:extLst>
           </p:cNvPr>
@@ -4425,10 +4331,7 @@
           </a:prstGeom>
           <a:ln w="12700">
             <a:solidFill>
-              <a:schemeClr val="tx1">
-                <a:lumMod val="75000"/>
-                <a:lumOff val="25000"/>
-              </a:schemeClr>
+              <a:schemeClr val="accent1"/>
             </a:solidFill>
             <a:prstDash val="sysDot"/>
           </a:ln>
@@ -4453,7 +4356,7 @@
           <p:cNvPr id="17" name="Rectangle 16">
             <a:extLst>
               <a:ext uri="{FF2B5EF4-FFF2-40B4-BE49-F238E27FC236}">
-                <a16:creationId xmlns:a16="http://schemas.microsoft.com/office/drawing/2014/main" xmlns="" id="{6FB1B098-A258-442E-B2F1-58A7161CA53B}"/>
+                <a16:creationId xmlns:a16="http://schemas.microsoft.com/office/drawing/2014/main" id="{6FB1B098-A258-442E-B2F1-58A7161CA53B}"/>
               </a:ext>
             </a:extLst>
           </p:cNvPr>
@@ -4494,7 +4397,7 @@
           <a:lstStyle/>
           <a:p>
             <a:r>
-              <a:rPr lang="en-US" sz="800" dirty="0" smtClean="0">
+              <a:rPr lang="en-US" sz="800" dirty="0">
                 <a:solidFill>
                   <a:schemeClr val="bg1"/>
                 </a:solidFill>
